--- a/What’s in the token.pptx
+++ b/What’s in the token.pptx
@@ -144,6 +144,144 @@
 <file path=ppt/changesInfos/changesInfo1.xml><?xml version="1.0" encoding="utf-8"?>
 <pc:chgInfo xmlns:a="http://schemas.openxmlformats.org/drawingml/2006/main" xmlns:r="http://schemas.openxmlformats.org/officeDocument/2006/relationships" xmlns:ac="http://schemas.microsoft.com/office/drawing/2013/main/command" xmlns:pc="http://schemas.microsoft.com/office/powerpoint/2013/main/command">
   <pc:docChgLst>
+    <pc:chgData name="Graeme Foster" userId="0b42d6ed-b5a2-4a4e-8761-134bf435909a" providerId="ADAL" clId="{4EEA9B5A-51C6-4017-AC5E-16D51E868D73}"/>
+    <pc:docChg chg="custSel addSld modSld">
+      <pc:chgData name="Graeme Foster" userId="0b42d6ed-b5a2-4a4e-8761-134bf435909a" providerId="ADAL" clId="{4EEA9B5A-51C6-4017-AC5E-16D51E868D73}" dt="2023-02-13T06:29:51.107" v="67" actId="20577"/>
+      <pc:docMkLst>
+        <pc:docMk/>
+      </pc:docMkLst>
+      <pc:sldChg chg="modSp new mod">
+        <pc:chgData name="Graeme Foster" userId="0b42d6ed-b5a2-4a4e-8761-134bf435909a" providerId="ADAL" clId="{4EEA9B5A-51C6-4017-AC5E-16D51E868D73}" dt="2023-02-13T06:29:51.107" v="67" actId="20577"/>
+        <pc:sldMkLst>
+          <pc:docMk/>
+          <pc:sldMk cId="1392104150" sldId="278"/>
+        </pc:sldMkLst>
+        <pc:spChg chg="mod">
+          <ac:chgData name="Graeme Foster" userId="0b42d6ed-b5a2-4a4e-8761-134bf435909a" providerId="ADAL" clId="{4EEA9B5A-51C6-4017-AC5E-16D51E868D73}" dt="2023-02-13T06:29:41.479" v="17" actId="20577"/>
+          <ac:spMkLst>
+            <pc:docMk/>
+            <pc:sldMk cId="1392104150" sldId="278"/>
+            <ac:spMk id="2" creationId="{FE3F9407-CFD0-4207-90E2-24E2572CC62E}"/>
+          </ac:spMkLst>
+        </pc:spChg>
+        <pc:spChg chg="mod">
+          <ac:chgData name="Graeme Foster" userId="0b42d6ed-b5a2-4a4e-8761-134bf435909a" providerId="ADAL" clId="{4EEA9B5A-51C6-4017-AC5E-16D51E868D73}" dt="2023-02-13T06:29:51.107" v="67" actId="20577"/>
+          <ac:spMkLst>
+            <pc:docMk/>
+            <pc:sldMk cId="1392104150" sldId="278"/>
+            <ac:spMk id="3" creationId="{411921CB-5383-41B8-A489-4D05CCA2AA43}"/>
+          </ac:spMkLst>
+        </pc:spChg>
+      </pc:sldChg>
+    </pc:docChg>
+  </pc:docChgLst>
+  <pc:docChgLst>
+    <pc:chgData name="Graeme Foster" userId="0b42d6ed-b5a2-4a4e-8761-134bf435909a" providerId="ADAL" clId="{C2900159-B581-4185-A8BD-F52298A92B6E}"/>
+    <pc:docChg chg="undo custSel delSld modSld">
+      <pc:chgData name="Graeme Foster" userId="0b42d6ed-b5a2-4a4e-8761-134bf435909a" providerId="ADAL" clId="{C2900159-B581-4185-A8BD-F52298A92B6E}" dt="2023-03-16T23:03:48.621" v="472" actId="20577"/>
+      <pc:docMkLst>
+        <pc:docMk/>
+      </pc:docMkLst>
+      <pc:sldChg chg="modSp mod">
+        <pc:chgData name="Graeme Foster" userId="0b42d6ed-b5a2-4a4e-8761-134bf435909a" providerId="ADAL" clId="{C2900159-B581-4185-A8BD-F52298A92B6E}" dt="2023-03-13T07:00:58.040" v="452" actId="5793"/>
+        <pc:sldMkLst>
+          <pc:docMk/>
+          <pc:sldMk cId="4048094195" sldId="259"/>
+        </pc:sldMkLst>
+        <pc:spChg chg="mod">
+          <ac:chgData name="Graeme Foster" userId="0b42d6ed-b5a2-4a4e-8761-134bf435909a" providerId="ADAL" clId="{C2900159-B581-4185-A8BD-F52298A92B6E}" dt="2023-03-13T07:00:58.040" v="452" actId="5793"/>
+          <ac:spMkLst>
+            <pc:docMk/>
+            <pc:sldMk cId="4048094195" sldId="259"/>
+            <ac:spMk id="2" creationId="{328ED261-9AEA-7500-C13E-9AF93F2EEFD9}"/>
+          </ac:spMkLst>
+        </pc:spChg>
+      </pc:sldChg>
+      <pc:sldChg chg="modSp mod">
+        <pc:chgData name="Graeme Foster" userId="0b42d6ed-b5a2-4a4e-8761-134bf435909a" providerId="ADAL" clId="{C2900159-B581-4185-A8BD-F52298A92B6E}" dt="2023-03-16T23:03:48.621" v="472" actId="20577"/>
+        <pc:sldMkLst>
+          <pc:docMk/>
+          <pc:sldMk cId="3460909191" sldId="263"/>
+        </pc:sldMkLst>
+        <pc:spChg chg="mod">
+          <ac:chgData name="Graeme Foster" userId="0b42d6ed-b5a2-4a4e-8761-134bf435909a" providerId="ADAL" clId="{C2900159-B581-4185-A8BD-F52298A92B6E}" dt="2023-03-16T23:03:48.621" v="472" actId="20577"/>
+          <ac:spMkLst>
+            <pc:docMk/>
+            <pc:sldMk cId="3460909191" sldId="263"/>
+            <ac:spMk id="4" creationId="{A3B18AF2-32B2-ACBE-472B-7114A054F6BC}"/>
+          </ac:spMkLst>
+        </pc:spChg>
+      </pc:sldChg>
+      <pc:sldChg chg="modSp mod">
+        <pc:chgData name="Graeme Foster" userId="0b42d6ed-b5a2-4a4e-8761-134bf435909a" providerId="ADAL" clId="{C2900159-B581-4185-A8BD-F52298A92B6E}" dt="2023-03-09T00:45:27.596" v="396" actId="20577"/>
+        <pc:sldMkLst>
+          <pc:docMk/>
+          <pc:sldMk cId="4294085421" sldId="268"/>
+        </pc:sldMkLst>
+        <pc:spChg chg="mod">
+          <ac:chgData name="Graeme Foster" userId="0b42d6ed-b5a2-4a4e-8761-134bf435909a" providerId="ADAL" clId="{C2900159-B581-4185-A8BD-F52298A92B6E}" dt="2023-03-09T00:45:27.596" v="396" actId="20577"/>
+          <ac:spMkLst>
+            <pc:docMk/>
+            <pc:sldMk cId="4294085421" sldId="268"/>
+            <ac:spMk id="3" creationId="{F14D38CC-7E8C-EA6F-CB0F-5DE122D17C01}"/>
+          </ac:spMkLst>
+        </pc:spChg>
+      </pc:sldChg>
+      <pc:sldChg chg="modSp mod">
+        <pc:chgData name="Graeme Foster" userId="0b42d6ed-b5a2-4a4e-8761-134bf435909a" providerId="ADAL" clId="{C2900159-B581-4185-A8BD-F52298A92B6E}" dt="2023-03-01T08:15:00.683" v="45" actId="20577"/>
+        <pc:sldMkLst>
+          <pc:docMk/>
+          <pc:sldMk cId="3286575950" sldId="269"/>
+        </pc:sldMkLst>
+        <pc:spChg chg="mod">
+          <ac:chgData name="Graeme Foster" userId="0b42d6ed-b5a2-4a4e-8761-134bf435909a" providerId="ADAL" clId="{C2900159-B581-4185-A8BD-F52298A92B6E}" dt="2023-03-01T08:15:00.683" v="45" actId="20577"/>
+          <ac:spMkLst>
+            <pc:docMk/>
+            <pc:sldMk cId="3286575950" sldId="269"/>
+            <ac:spMk id="3" creationId="{F14D38CC-7E8C-EA6F-CB0F-5DE122D17C01}"/>
+          </ac:spMkLst>
+        </pc:spChg>
+      </pc:sldChg>
+      <pc:sldChg chg="modSp mod">
+        <pc:chgData name="Graeme Foster" userId="0b42d6ed-b5a2-4a4e-8761-134bf435909a" providerId="ADAL" clId="{C2900159-B581-4185-A8BD-F52298A92B6E}" dt="2023-03-09T03:47:13.733" v="428" actId="313"/>
+        <pc:sldMkLst>
+          <pc:docMk/>
+          <pc:sldMk cId="530886633" sldId="270"/>
+        </pc:sldMkLst>
+        <pc:spChg chg="mod">
+          <ac:chgData name="Graeme Foster" userId="0b42d6ed-b5a2-4a4e-8761-134bf435909a" providerId="ADAL" clId="{C2900159-B581-4185-A8BD-F52298A92B6E}" dt="2023-03-09T03:47:13.733" v="428" actId="313"/>
+          <ac:spMkLst>
+            <pc:docMk/>
+            <pc:sldMk cId="530886633" sldId="270"/>
+            <ac:spMk id="3" creationId="{55FD833E-B248-57BC-6270-46E49D0345E7}"/>
+          </ac:spMkLst>
+        </pc:spChg>
+      </pc:sldChg>
+      <pc:sldChg chg="modSp mod">
+        <pc:chgData name="Graeme Foster" userId="0b42d6ed-b5a2-4a4e-8761-134bf435909a" providerId="ADAL" clId="{C2900159-B581-4185-A8BD-F52298A92B6E}" dt="2023-03-09T03:52:38.460" v="434" actId="20577"/>
+        <pc:sldMkLst>
+          <pc:docMk/>
+          <pc:sldMk cId="1288903722" sldId="277"/>
+        </pc:sldMkLst>
+        <pc:spChg chg="mod">
+          <ac:chgData name="Graeme Foster" userId="0b42d6ed-b5a2-4a4e-8761-134bf435909a" providerId="ADAL" clId="{C2900159-B581-4185-A8BD-F52298A92B6E}" dt="2023-03-09T03:52:38.460" v="434" actId="20577"/>
+          <ac:spMkLst>
+            <pc:docMk/>
+            <pc:sldMk cId="1288903722" sldId="277"/>
+            <ac:spMk id="3" creationId="{F14D38CC-7E8C-EA6F-CB0F-5DE122D17C01}"/>
+          </ac:spMkLst>
+        </pc:spChg>
+      </pc:sldChg>
+      <pc:sldChg chg="del">
+        <pc:chgData name="Graeme Foster" userId="0b42d6ed-b5a2-4a4e-8761-134bf435909a" providerId="ADAL" clId="{C2900159-B581-4185-A8BD-F52298A92B6E}" dt="2023-03-01T08:17:35.183" v="334" actId="47"/>
+        <pc:sldMkLst>
+          <pc:docMk/>
+          <pc:sldMk cId="1392104150" sldId="278"/>
+        </pc:sldMkLst>
+      </pc:sldChg>
+    </pc:docChg>
+  </pc:docChgLst>
+  <pc:docChgLst>
     <pc:chgData name="Graeme Foster" userId="0b42d6ed-b5a2-4a4e-8761-134bf435909a" providerId="ADAL" clId="{09992FF5-B48E-4CA6-BFAF-A3A1CB5574E0}"/>
     <pc:docChg chg="undo redo custSel addSld delSld modSld sldOrd">
       <pc:chgData name="Graeme Foster" userId="0b42d6ed-b5a2-4a4e-8761-134bf435909a" providerId="ADAL" clId="{09992FF5-B48E-4CA6-BFAF-A3A1CB5574E0}" dt="2021-11-15T01:52:17.045" v="1401" actId="20577"/>
@@ -860,34 +998,816 @@
     </pc:docChg>
   </pc:docChgLst>
   <pc:docChgLst>
-    <pc:chgData name="Graeme Foster" userId="0b42d6ed-b5a2-4a4e-8761-134bf435909a" providerId="ADAL" clId="{4EEA9B5A-51C6-4017-AC5E-16D51E868D73}"/>
-    <pc:docChg chg="custSel addSld modSld">
-      <pc:chgData name="Graeme Foster" userId="0b42d6ed-b5a2-4a4e-8761-134bf435909a" providerId="ADAL" clId="{4EEA9B5A-51C6-4017-AC5E-16D51E868D73}" dt="2023-02-13T06:29:51.107" v="67" actId="20577"/>
+    <pc:chgData name="Graeme Foster" userId="0b42d6ed-b5a2-4a4e-8761-134bf435909a" providerId="ADAL" clId="{B412B967-33C4-4008-B8E3-CFFD49338A09}"/>
+    <pc:docChg chg="undo custSel addSld delSld modSld sldOrd">
+      <pc:chgData name="Graeme Foster" userId="0b42d6ed-b5a2-4a4e-8761-134bf435909a" providerId="ADAL" clId="{B412B967-33C4-4008-B8E3-CFFD49338A09}" dt="2023-04-18T05:25:46.588" v="1300" actId="1076"/>
       <pc:docMkLst>
         <pc:docMk/>
       </pc:docMkLst>
-      <pc:sldChg chg="modSp new mod">
-        <pc:chgData name="Graeme Foster" userId="0b42d6ed-b5a2-4a4e-8761-134bf435909a" providerId="ADAL" clId="{4EEA9B5A-51C6-4017-AC5E-16D51E868D73}" dt="2023-02-13T06:29:51.107" v="67" actId="20577"/>
+      <pc:sldChg chg="addSp delSp modSp mod setBg delDesignElem">
+        <pc:chgData name="Graeme Foster" userId="0b42d6ed-b5a2-4a4e-8761-134bf435909a" providerId="ADAL" clId="{B412B967-33C4-4008-B8E3-CFFD49338A09}" dt="2023-04-16T07:30:16.584" v="39" actId="26606"/>
         <pc:sldMkLst>
           <pc:docMk/>
-          <pc:sldMk cId="1392104150" sldId="278"/>
+          <pc:sldMk cId="2409442966" sldId="256"/>
         </pc:sldMkLst>
         <pc:spChg chg="mod">
-          <ac:chgData name="Graeme Foster" userId="0b42d6ed-b5a2-4a4e-8761-134bf435909a" providerId="ADAL" clId="{4EEA9B5A-51C6-4017-AC5E-16D51E868D73}" dt="2023-02-13T06:29:41.479" v="17" actId="20577"/>
+          <ac:chgData name="Graeme Foster" userId="0b42d6ed-b5a2-4a4e-8761-134bf435909a" providerId="ADAL" clId="{B412B967-33C4-4008-B8E3-CFFD49338A09}" dt="2023-04-16T07:30:16.584" v="39" actId="26606"/>
           <ac:spMkLst>
             <pc:docMk/>
-            <pc:sldMk cId="1392104150" sldId="278"/>
-            <ac:spMk id="2" creationId="{FE3F9407-CFD0-4207-90E2-24E2572CC62E}"/>
+            <pc:sldMk cId="2409442966" sldId="256"/>
+            <ac:spMk id="2" creationId="{5DCA5416-62EC-4C43-9FB7-5DAD85C21D1B}"/>
           </ac:spMkLst>
         </pc:spChg>
         <pc:spChg chg="mod">
-          <ac:chgData name="Graeme Foster" userId="0b42d6ed-b5a2-4a4e-8761-134bf435909a" providerId="ADAL" clId="{4EEA9B5A-51C6-4017-AC5E-16D51E868D73}" dt="2023-02-13T06:29:51.107" v="67" actId="20577"/>
+          <ac:chgData name="Graeme Foster" userId="0b42d6ed-b5a2-4a4e-8761-134bf435909a" providerId="ADAL" clId="{B412B967-33C4-4008-B8E3-CFFD49338A09}" dt="2023-04-16T07:30:16.584" v="39" actId="26606"/>
           <ac:spMkLst>
             <pc:docMk/>
-            <pc:sldMk cId="1392104150" sldId="278"/>
-            <ac:spMk id="3" creationId="{411921CB-5383-41B8-A489-4D05CCA2AA43}"/>
+            <pc:sldMk cId="2409442966" sldId="256"/>
+            <ac:spMk id="4" creationId="{76155F49-F5D4-4A77-AD0C-E489C7A0C9C8}"/>
           </ac:spMkLst>
         </pc:spChg>
+        <pc:spChg chg="del">
+          <ac:chgData name="Graeme Foster" userId="0b42d6ed-b5a2-4a4e-8761-134bf435909a" providerId="ADAL" clId="{B412B967-33C4-4008-B8E3-CFFD49338A09}" dt="2023-04-16T07:28:56.343" v="3"/>
+          <ac:spMkLst>
+            <pc:docMk/>
+            <pc:sldMk cId="2409442966" sldId="256"/>
+            <ac:spMk id="7" creationId="{C885E190-58DD-42DD-A4A8-401E15C92A52}"/>
+          </ac:spMkLst>
+        </pc:spChg>
+        <pc:spChg chg="add del">
+          <ac:chgData name="Graeme Foster" userId="0b42d6ed-b5a2-4a4e-8761-134bf435909a" providerId="ADAL" clId="{B412B967-33C4-4008-B8E3-CFFD49338A09}" dt="2023-04-16T07:30:16.584" v="39" actId="26606"/>
+          <ac:spMkLst>
+            <pc:docMk/>
+            <pc:sldMk cId="2409442966" sldId="256"/>
+            <ac:spMk id="8" creationId="{600B5AE2-C5CC-499C-8F2D-249888BE22C2}"/>
+          </ac:spMkLst>
+        </pc:spChg>
+        <pc:spChg chg="add del">
+          <ac:chgData name="Graeme Foster" userId="0b42d6ed-b5a2-4a4e-8761-134bf435909a" providerId="ADAL" clId="{B412B967-33C4-4008-B8E3-CFFD49338A09}" dt="2023-04-16T07:30:16.584" v="39" actId="26606"/>
+          <ac:spMkLst>
+            <pc:docMk/>
+            <pc:sldMk cId="2409442966" sldId="256"/>
+            <ac:spMk id="9" creationId="{BA7A3698-B350-40E5-8475-9BCC41A089FC}"/>
+          </ac:spMkLst>
+        </pc:spChg>
+        <pc:spChg chg="add del">
+          <ac:chgData name="Graeme Foster" userId="0b42d6ed-b5a2-4a4e-8761-134bf435909a" providerId="ADAL" clId="{B412B967-33C4-4008-B8E3-CFFD49338A09}" dt="2023-04-16T07:30:16.584" v="39" actId="26606"/>
+          <ac:spMkLst>
+            <pc:docMk/>
+            <pc:sldMk cId="2409442966" sldId="256"/>
+            <ac:spMk id="16" creationId="{311973C2-EB8B-452A-A698-4A252FD3AE28}"/>
+          </ac:spMkLst>
+        </pc:spChg>
+        <pc:spChg chg="add del">
+          <ac:chgData name="Graeme Foster" userId="0b42d6ed-b5a2-4a4e-8761-134bf435909a" providerId="ADAL" clId="{B412B967-33C4-4008-B8E3-CFFD49338A09}" dt="2023-04-16T07:30:16.584" v="39" actId="26606"/>
+          <ac:spMkLst>
+            <pc:docMk/>
+            <pc:sldMk cId="2409442966" sldId="256"/>
+            <ac:spMk id="18" creationId="{10162E77-11AD-44A7-84EC-40C59EEFBD2E}"/>
+          </ac:spMkLst>
+        </pc:spChg>
+        <pc:spChg chg="add">
+          <ac:chgData name="Graeme Foster" userId="0b42d6ed-b5a2-4a4e-8761-134bf435909a" providerId="ADAL" clId="{B412B967-33C4-4008-B8E3-CFFD49338A09}" dt="2023-04-16T07:30:16.584" v="39" actId="26606"/>
+          <ac:spMkLst>
+            <pc:docMk/>
+            <pc:sldMk cId="2409442966" sldId="256"/>
+            <ac:spMk id="25" creationId="{600B5AE2-C5CC-499C-8F2D-249888BE22C2}"/>
+          </ac:spMkLst>
+        </pc:spChg>
+        <pc:spChg chg="add">
+          <ac:chgData name="Graeme Foster" userId="0b42d6ed-b5a2-4a4e-8761-134bf435909a" providerId="ADAL" clId="{B412B967-33C4-4008-B8E3-CFFD49338A09}" dt="2023-04-16T07:30:16.584" v="39" actId="26606"/>
+          <ac:spMkLst>
+            <pc:docMk/>
+            <pc:sldMk cId="2409442966" sldId="256"/>
+            <ac:spMk id="27" creationId="{BA7A3698-B350-40E5-8475-9BCC41A089FC}"/>
+          </ac:spMkLst>
+        </pc:spChg>
+        <pc:spChg chg="add">
+          <ac:chgData name="Graeme Foster" userId="0b42d6ed-b5a2-4a4e-8761-134bf435909a" providerId="ADAL" clId="{B412B967-33C4-4008-B8E3-CFFD49338A09}" dt="2023-04-16T07:30:16.584" v="39" actId="26606"/>
+          <ac:spMkLst>
+            <pc:docMk/>
+            <pc:sldMk cId="2409442966" sldId="256"/>
+            <ac:spMk id="31" creationId="{990D0034-F768-41E7-85D4-F38C4DE85770}"/>
+          </ac:spMkLst>
+        </pc:spChg>
+        <pc:spChg chg="add">
+          <ac:chgData name="Graeme Foster" userId="0b42d6ed-b5a2-4a4e-8761-134bf435909a" providerId="ADAL" clId="{B412B967-33C4-4008-B8E3-CFFD49338A09}" dt="2023-04-16T07:30:16.584" v="39" actId="26606"/>
+          <ac:spMkLst>
+            <pc:docMk/>
+            <pc:sldMk cId="2409442966" sldId="256"/>
+            <ac:spMk id="33" creationId="{C4F7E42D-8B5A-4FC8-81CD-9E60171F7FA8}"/>
+          </ac:spMkLst>
+        </pc:spChg>
+        <pc:spChg chg="add">
+          <ac:chgData name="Graeme Foster" userId="0b42d6ed-b5a2-4a4e-8761-134bf435909a" providerId="ADAL" clId="{B412B967-33C4-4008-B8E3-CFFD49338A09}" dt="2023-04-16T07:30:16.584" v="39" actId="26606"/>
+          <ac:spMkLst>
+            <pc:docMk/>
+            <pc:sldMk cId="2409442966" sldId="256"/>
+            <ac:spMk id="35" creationId="{8C04651D-B9F4-4935-A02D-364153FBDF54}"/>
+          </ac:spMkLst>
+        </pc:spChg>
+        <pc:picChg chg="mod ord">
+          <ac:chgData name="Graeme Foster" userId="0b42d6ed-b5a2-4a4e-8761-134bf435909a" providerId="ADAL" clId="{B412B967-33C4-4008-B8E3-CFFD49338A09}" dt="2023-04-16T07:30:16.584" v="39" actId="26606"/>
+          <ac:picMkLst>
+            <pc:docMk/>
+            <pc:sldMk cId="2409442966" sldId="256"/>
+            <ac:picMk id="5" creationId="{1281A8CC-7AC9-4727-B6D0-8A7A16261B48}"/>
+          </ac:picMkLst>
+        </pc:picChg>
+        <pc:cxnChg chg="add del">
+          <ac:chgData name="Graeme Foster" userId="0b42d6ed-b5a2-4a4e-8761-134bf435909a" providerId="ADAL" clId="{B412B967-33C4-4008-B8E3-CFFD49338A09}" dt="2023-04-16T07:30:16.584" v="39" actId="26606"/>
+          <ac:cxnSpMkLst>
+            <pc:docMk/>
+            <pc:sldMk cId="2409442966" sldId="256"/>
+            <ac:cxnSpMk id="14" creationId="{0AC655C7-EC94-4BE6-84C8-2F9EFBBB2789}"/>
+          </ac:cxnSpMkLst>
+        </pc:cxnChg>
+        <pc:cxnChg chg="add del">
+          <ac:chgData name="Graeme Foster" userId="0b42d6ed-b5a2-4a4e-8761-134bf435909a" providerId="ADAL" clId="{B412B967-33C4-4008-B8E3-CFFD49338A09}" dt="2023-04-16T07:30:16.584" v="39" actId="26606"/>
+          <ac:cxnSpMkLst>
+            <pc:docMk/>
+            <pc:sldMk cId="2409442966" sldId="256"/>
+            <ac:cxnSpMk id="20" creationId="{5AB158E9-1B40-4CD6-95F0-95CA11DF7B7A}"/>
+          </ac:cxnSpMkLst>
+        </pc:cxnChg>
+        <pc:cxnChg chg="add">
+          <ac:chgData name="Graeme Foster" userId="0b42d6ed-b5a2-4a4e-8761-134bf435909a" providerId="ADAL" clId="{B412B967-33C4-4008-B8E3-CFFD49338A09}" dt="2023-04-16T07:30:16.584" v="39" actId="26606"/>
+          <ac:cxnSpMkLst>
+            <pc:docMk/>
+            <pc:sldMk cId="2409442966" sldId="256"/>
+            <ac:cxnSpMk id="29" creationId="{0AC655C7-EC94-4BE6-84C8-2F9EFBBB2789}"/>
+          </ac:cxnSpMkLst>
+        </pc:cxnChg>
+      </pc:sldChg>
+      <pc:sldChg chg="modSp">
+        <pc:chgData name="Graeme Foster" userId="0b42d6ed-b5a2-4a4e-8761-134bf435909a" providerId="ADAL" clId="{B412B967-33C4-4008-B8E3-CFFD49338A09}" dt="2023-04-16T07:29:10.868" v="6"/>
+        <pc:sldMkLst>
+          <pc:docMk/>
+          <pc:sldMk cId="1406878204" sldId="258"/>
+        </pc:sldMkLst>
+        <pc:spChg chg="mod">
+          <ac:chgData name="Graeme Foster" userId="0b42d6ed-b5a2-4a4e-8761-134bf435909a" providerId="ADAL" clId="{B412B967-33C4-4008-B8E3-CFFD49338A09}" dt="2023-04-16T07:29:10.868" v="6"/>
+          <ac:spMkLst>
+            <pc:docMk/>
+            <pc:sldMk cId="1406878204" sldId="258"/>
+            <ac:spMk id="2" creationId="{6F5B8CE9-DCF4-4EFB-BF9C-01791C3B0250}"/>
+          </ac:spMkLst>
+        </pc:spChg>
+        <pc:spChg chg="mod">
+          <ac:chgData name="Graeme Foster" userId="0b42d6ed-b5a2-4a4e-8761-134bf435909a" providerId="ADAL" clId="{B412B967-33C4-4008-B8E3-CFFD49338A09}" dt="2023-04-16T07:29:10.868" v="6"/>
+          <ac:spMkLst>
+            <pc:docMk/>
+            <pc:sldMk cId="1406878204" sldId="258"/>
+            <ac:spMk id="3" creationId="{D3990305-983F-4012-B072-100979503CB5}"/>
+          </ac:spMkLst>
+        </pc:spChg>
+      </pc:sldChg>
+      <pc:sldChg chg="addSp delSp modSp mod setBg delDesignElem">
+        <pc:chgData name="Graeme Foster" userId="0b42d6ed-b5a2-4a4e-8761-134bf435909a" providerId="ADAL" clId="{B412B967-33C4-4008-B8E3-CFFD49338A09}" dt="2023-04-17T00:50:27.625" v="1122" actId="20577"/>
+        <pc:sldMkLst>
+          <pc:docMk/>
+          <pc:sldMk cId="4048094195" sldId="259"/>
+        </pc:sldMkLst>
+        <pc:spChg chg="mod">
+          <ac:chgData name="Graeme Foster" userId="0b42d6ed-b5a2-4a4e-8761-134bf435909a" providerId="ADAL" clId="{B412B967-33C4-4008-B8E3-CFFD49338A09}" dt="2023-04-17T00:50:27.625" v="1122" actId="20577"/>
+          <ac:spMkLst>
+            <pc:docMk/>
+            <pc:sldMk cId="4048094195" sldId="259"/>
+            <ac:spMk id="2" creationId="{328ED261-9AEA-7500-C13E-9AF93F2EEFD9}"/>
+          </ac:spMkLst>
+        </pc:spChg>
+        <pc:spChg chg="del">
+          <ac:chgData name="Graeme Foster" userId="0b42d6ed-b5a2-4a4e-8761-134bf435909a" providerId="ADAL" clId="{B412B967-33C4-4008-B8E3-CFFD49338A09}" dt="2023-04-16T07:28:56.343" v="3"/>
+          <ac:spMkLst>
+            <pc:docMk/>
+            <pc:sldMk cId="4048094195" sldId="259"/>
+            <ac:spMk id="9" creationId="{989BE678-777B-482A-A616-FEDC47B162E5}"/>
+          </ac:spMkLst>
+        </pc:spChg>
+        <pc:spChg chg="add">
+          <ac:chgData name="Graeme Foster" userId="0b42d6ed-b5a2-4a4e-8761-134bf435909a" providerId="ADAL" clId="{B412B967-33C4-4008-B8E3-CFFD49338A09}" dt="2023-04-16T07:29:33.563" v="8" actId="26606"/>
+          <ac:spMkLst>
+            <pc:docMk/>
+            <pc:sldMk cId="4048094195" sldId="259"/>
+            <ac:spMk id="11" creationId="{25C8D2C1-DA83-420D-9635-D52CE066B5DA}"/>
+          </ac:spMkLst>
+        </pc:spChg>
+        <pc:spChg chg="add">
+          <ac:chgData name="Graeme Foster" userId="0b42d6ed-b5a2-4a4e-8761-134bf435909a" providerId="ADAL" clId="{B412B967-33C4-4008-B8E3-CFFD49338A09}" dt="2023-04-16T07:29:33.563" v="8" actId="26606"/>
+          <ac:spMkLst>
+            <pc:docMk/>
+            <pc:sldMk cId="4048094195" sldId="259"/>
+            <ac:spMk id="13" creationId="{434F74C9-6A0B-409E-AD1C-45B58BE91BB8}"/>
+          </ac:spMkLst>
+        </pc:spChg>
+        <pc:spChg chg="add">
+          <ac:chgData name="Graeme Foster" userId="0b42d6ed-b5a2-4a4e-8761-134bf435909a" providerId="ADAL" clId="{B412B967-33C4-4008-B8E3-CFFD49338A09}" dt="2023-04-16T07:29:33.563" v="8" actId="26606"/>
+          <ac:spMkLst>
+            <pc:docMk/>
+            <pc:sldMk cId="4048094195" sldId="259"/>
+            <ac:spMk id="17" creationId="{90AA6468-80AC-4DDF-9CFB-C7A9507E203F}"/>
+          </ac:spMkLst>
+        </pc:spChg>
+        <pc:spChg chg="add">
+          <ac:chgData name="Graeme Foster" userId="0b42d6ed-b5a2-4a4e-8761-134bf435909a" providerId="ADAL" clId="{B412B967-33C4-4008-B8E3-CFFD49338A09}" dt="2023-04-16T07:29:33.563" v="8" actId="26606"/>
+          <ac:spMkLst>
+            <pc:docMk/>
+            <pc:sldMk cId="4048094195" sldId="259"/>
+            <ac:spMk id="19" creationId="{4AB900CC-5074-4746-A1A4-AF640455BD43}"/>
+          </ac:spMkLst>
+        </pc:spChg>
+        <pc:spChg chg="del">
+          <ac:chgData name="Graeme Foster" userId="0b42d6ed-b5a2-4a4e-8761-134bf435909a" providerId="ADAL" clId="{B412B967-33C4-4008-B8E3-CFFD49338A09}" dt="2023-04-16T07:28:56.343" v="3"/>
+          <ac:spMkLst>
+            <pc:docMk/>
+            <pc:sldMk cId="4048094195" sldId="259"/>
+            <ac:spMk id="20" creationId="{D28BE0C3-2102-4820-B88B-A448B1840D14}"/>
+          </ac:spMkLst>
+        </pc:spChg>
+        <pc:spChg chg="del">
+          <ac:chgData name="Graeme Foster" userId="0b42d6ed-b5a2-4a4e-8761-134bf435909a" providerId="ADAL" clId="{B412B967-33C4-4008-B8E3-CFFD49338A09}" dt="2023-04-16T07:28:56.343" v="3"/>
+          <ac:spMkLst>
+            <pc:docMk/>
+            <pc:sldMk cId="4048094195" sldId="259"/>
+            <ac:spMk id="22" creationId="{E4F17063-EDA4-417B-946F-BA357F3B390D}"/>
+          </ac:spMkLst>
+        </pc:spChg>
+        <pc:spChg chg="del">
+          <ac:chgData name="Graeme Foster" userId="0b42d6ed-b5a2-4a4e-8761-134bf435909a" providerId="ADAL" clId="{B412B967-33C4-4008-B8E3-CFFD49338A09}" dt="2023-04-16T07:28:56.343" v="3"/>
+          <ac:spMkLst>
+            <pc:docMk/>
+            <pc:sldMk cId="4048094195" sldId="259"/>
+            <ac:spMk id="24" creationId="{D36F3EEA-55D4-4677-80E7-92D00B8F343B}"/>
+          </ac:spMkLst>
+        </pc:spChg>
+        <pc:picChg chg="mod ord">
+          <ac:chgData name="Graeme Foster" userId="0b42d6ed-b5a2-4a4e-8761-134bf435909a" providerId="ADAL" clId="{B412B967-33C4-4008-B8E3-CFFD49338A09}" dt="2023-04-16T07:29:33.563" v="8" actId="26606"/>
+          <ac:picMkLst>
+            <pc:docMk/>
+            <pc:sldMk cId="4048094195" sldId="259"/>
+            <ac:picMk id="5" creationId="{0B66922D-F3D8-1E37-47A0-369D8546853E}"/>
+          </ac:picMkLst>
+        </pc:picChg>
+        <pc:picChg chg="del">
+          <ac:chgData name="Graeme Foster" userId="0b42d6ed-b5a2-4a4e-8761-134bf435909a" providerId="ADAL" clId="{B412B967-33C4-4008-B8E3-CFFD49338A09}" dt="2023-04-16T07:28:56.343" v="3"/>
+          <ac:picMkLst>
+            <pc:docMk/>
+            <pc:sldMk cId="4048094195" sldId="259"/>
+            <ac:picMk id="7" creationId="{DF19BAF3-7E20-4B9D-B544-BABAEEA1FA75}"/>
+          </ac:picMkLst>
+        </pc:picChg>
+        <pc:picChg chg="del">
+          <ac:chgData name="Graeme Foster" userId="0b42d6ed-b5a2-4a4e-8761-134bf435909a" providerId="ADAL" clId="{B412B967-33C4-4008-B8E3-CFFD49338A09}" dt="2023-04-16T07:28:56.343" v="3"/>
+          <ac:picMkLst>
+            <pc:docMk/>
+            <pc:sldMk cId="4048094195" sldId="259"/>
+            <ac:picMk id="8" creationId="{950648F4-ABCD-4DF0-8641-76CFB2354721}"/>
+          </ac:picMkLst>
+        </pc:picChg>
+        <pc:picChg chg="del">
+          <ac:chgData name="Graeme Foster" userId="0b42d6ed-b5a2-4a4e-8761-134bf435909a" providerId="ADAL" clId="{B412B967-33C4-4008-B8E3-CFFD49338A09}" dt="2023-04-16T07:28:56.343" v="3"/>
+          <ac:picMkLst>
+            <pc:docMk/>
+            <pc:sldMk cId="4048094195" sldId="259"/>
+            <ac:picMk id="16" creationId="{CF1EB4BD-9C7E-4AA3-9681-C7EB0DA6250B}"/>
+          </ac:picMkLst>
+        </pc:picChg>
+        <pc:picChg chg="del">
+          <ac:chgData name="Graeme Foster" userId="0b42d6ed-b5a2-4a4e-8761-134bf435909a" providerId="ADAL" clId="{B412B967-33C4-4008-B8E3-CFFD49338A09}" dt="2023-04-16T07:28:56.343" v="3"/>
+          <ac:picMkLst>
+            <pc:docMk/>
+            <pc:sldMk cId="4048094195" sldId="259"/>
+            <ac:picMk id="18" creationId="{94AAE3AA-3759-4D28-B0EF-575F25A5146C}"/>
+          </ac:picMkLst>
+        </pc:picChg>
+        <pc:cxnChg chg="add">
+          <ac:chgData name="Graeme Foster" userId="0b42d6ed-b5a2-4a4e-8761-134bf435909a" providerId="ADAL" clId="{B412B967-33C4-4008-B8E3-CFFD49338A09}" dt="2023-04-16T07:29:33.563" v="8" actId="26606"/>
+          <ac:cxnSpMkLst>
+            <pc:docMk/>
+            <pc:sldMk cId="4048094195" sldId="259"/>
+            <ac:cxnSpMk id="15" creationId="{F5486A9D-1265-4B57-91E6-68E666B978BC}"/>
+          </ac:cxnSpMkLst>
+        </pc:cxnChg>
+      </pc:sldChg>
+      <pc:sldChg chg="addSp delSp modSp mod setClrOvrMap delDesignElem">
+        <pc:chgData name="Graeme Foster" userId="0b42d6ed-b5a2-4a4e-8761-134bf435909a" providerId="ADAL" clId="{B412B967-33C4-4008-B8E3-CFFD49338A09}" dt="2023-04-17T00:51:14.479" v="1128" actId="26606"/>
+        <pc:sldMkLst>
+          <pc:docMk/>
+          <pc:sldMk cId="3759087649" sldId="260"/>
+        </pc:sldMkLst>
+        <pc:spChg chg="mod ord">
+          <ac:chgData name="Graeme Foster" userId="0b42d6ed-b5a2-4a4e-8761-134bf435909a" providerId="ADAL" clId="{B412B967-33C4-4008-B8E3-CFFD49338A09}" dt="2023-04-17T00:51:14.479" v="1128" actId="26606"/>
+          <ac:spMkLst>
+            <pc:docMk/>
+            <pc:sldMk cId="3759087649" sldId="260"/>
+            <ac:spMk id="2" creationId="{B35B027A-E6D3-4130-A816-464C7F8C0A4B}"/>
+          </ac:spMkLst>
+        </pc:spChg>
+        <pc:spChg chg="add">
+          <ac:chgData name="Graeme Foster" userId="0b42d6ed-b5a2-4a4e-8761-134bf435909a" providerId="ADAL" clId="{B412B967-33C4-4008-B8E3-CFFD49338A09}" dt="2023-04-17T00:51:14.479" v="1128" actId="26606"/>
+          <ac:spMkLst>
+            <pc:docMk/>
+            <pc:sldMk cId="3759087649" sldId="260"/>
+            <ac:spMk id="7" creationId="{4E4490D0-3672-446A-AC12-B4830333BDDD}"/>
+          </ac:spMkLst>
+        </pc:spChg>
+        <pc:spChg chg="add">
+          <ac:chgData name="Graeme Foster" userId="0b42d6ed-b5a2-4a4e-8761-134bf435909a" providerId="ADAL" clId="{B412B967-33C4-4008-B8E3-CFFD49338A09}" dt="2023-04-17T00:51:14.479" v="1128" actId="26606"/>
+          <ac:spMkLst>
+            <pc:docMk/>
+            <pc:sldMk cId="3759087649" sldId="260"/>
+            <ac:spMk id="8" creationId="{39CB82C2-DF65-4EC1-8280-F201D50F570B}"/>
+          </ac:spMkLst>
+        </pc:spChg>
+        <pc:spChg chg="add">
+          <ac:chgData name="Graeme Foster" userId="0b42d6ed-b5a2-4a4e-8761-134bf435909a" providerId="ADAL" clId="{B412B967-33C4-4008-B8E3-CFFD49338A09}" dt="2023-04-17T00:51:14.479" v="1128" actId="26606"/>
+          <ac:spMkLst>
+            <pc:docMk/>
+            <pc:sldMk cId="3759087649" sldId="260"/>
+            <ac:spMk id="11" creationId="{5A1B47C8-47A0-4A88-8830-6DEA3B5DE392}"/>
+          </ac:spMkLst>
+        </pc:spChg>
+        <pc:spChg chg="add">
+          <ac:chgData name="Graeme Foster" userId="0b42d6ed-b5a2-4a4e-8761-134bf435909a" providerId="ADAL" clId="{B412B967-33C4-4008-B8E3-CFFD49338A09}" dt="2023-04-17T00:51:14.479" v="1128" actId="26606"/>
+          <ac:spMkLst>
+            <pc:docMk/>
+            <pc:sldMk cId="3759087649" sldId="260"/>
+            <ac:spMk id="13" creationId="{984BBFDD-E720-4805-A9C8-129FBBF6DD70}"/>
+          </ac:spMkLst>
+        </pc:spChg>
+        <pc:spChg chg="del">
+          <ac:chgData name="Graeme Foster" userId="0b42d6ed-b5a2-4a4e-8761-134bf435909a" providerId="ADAL" clId="{B412B967-33C4-4008-B8E3-CFFD49338A09}" dt="2023-04-16T07:28:56.343" v="3"/>
+          <ac:spMkLst>
+            <pc:docMk/>
+            <pc:sldMk cId="3759087649" sldId="260"/>
+            <ac:spMk id="14" creationId="{4AC0CD9D-7610-4620-93B4-798CCD9AB581}"/>
+          </ac:spMkLst>
+        </pc:spChg>
+        <pc:spChg chg="add">
+          <ac:chgData name="Graeme Foster" userId="0b42d6ed-b5a2-4a4e-8761-134bf435909a" providerId="ADAL" clId="{B412B967-33C4-4008-B8E3-CFFD49338A09}" dt="2023-04-17T00:51:14.479" v="1128" actId="26606"/>
+          <ac:spMkLst>
+            <pc:docMk/>
+            <pc:sldMk cId="3759087649" sldId="260"/>
+            <ac:spMk id="15" creationId="{5AC4BE46-4A77-42FE-9D15-065CDB2F847C}"/>
+          </ac:spMkLst>
+        </pc:spChg>
+        <pc:spChg chg="del">
+          <ac:chgData name="Graeme Foster" userId="0b42d6ed-b5a2-4a4e-8761-134bf435909a" providerId="ADAL" clId="{B412B967-33C4-4008-B8E3-CFFD49338A09}" dt="2023-04-16T07:28:56.343" v="3"/>
+          <ac:spMkLst>
+            <pc:docMk/>
+            <pc:sldMk cId="3759087649" sldId="260"/>
+            <ac:spMk id="20" creationId="{DE4D62F9-188E-4530-84C2-24BDEE4BEB82}"/>
+          </ac:spMkLst>
+        </pc:spChg>
+        <pc:spChg chg="del">
+          <ac:chgData name="Graeme Foster" userId="0b42d6ed-b5a2-4a4e-8761-134bf435909a" providerId="ADAL" clId="{B412B967-33C4-4008-B8E3-CFFD49338A09}" dt="2023-04-16T07:28:56.343" v="3"/>
+          <ac:spMkLst>
+            <pc:docMk/>
+            <pc:sldMk cId="3759087649" sldId="260"/>
+            <ac:spMk id="22" creationId="{757B325C-3E35-45CF-9D07-3BCB281F3B9C}"/>
+          </ac:spMkLst>
+        </pc:spChg>
+        <pc:spChg chg="del">
+          <ac:chgData name="Graeme Foster" userId="0b42d6ed-b5a2-4a4e-8761-134bf435909a" providerId="ADAL" clId="{B412B967-33C4-4008-B8E3-CFFD49338A09}" dt="2023-04-16T07:28:56.343" v="3"/>
+          <ac:spMkLst>
+            <pc:docMk/>
+            <pc:sldMk cId="3759087649" sldId="260"/>
+            <ac:spMk id="24" creationId="{C24BEC42-AFF3-40D1-93A2-A27A42E1E23C}"/>
+          </ac:spMkLst>
+        </pc:spChg>
+        <pc:spChg chg="del">
+          <ac:chgData name="Graeme Foster" userId="0b42d6ed-b5a2-4a4e-8761-134bf435909a" providerId="ADAL" clId="{B412B967-33C4-4008-B8E3-CFFD49338A09}" dt="2023-04-16T07:28:56.343" v="3"/>
+          <ac:spMkLst>
+            <pc:docMk/>
+            <pc:sldMk cId="3759087649" sldId="260"/>
+            <ac:spMk id="26" creationId="{608F427C-1EC9-4280-9367-F2B3AA063E82}"/>
+          </ac:spMkLst>
+        </pc:spChg>
+        <pc:spChg chg="del">
+          <ac:chgData name="Graeme Foster" userId="0b42d6ed-b5a2-4a4e-8761-134bf435909a" providerId="ADAL" clId="{B412B967-33C4-4008-B8E3-CFFD49338A09}" dt="2023-04-16T07:28:56.343" v="3"/>
+          <ac:spMkLst>
+            <pc:docMk/>
+            <pc:sldMk cId="3759087649" sldId="260"/>
+            <ac:spMk id="28" creationId="{F98810A7-E114-447A-A7D6-69B27CFB5650}"/>
+          </ac:spMkLst>
+        </pc:spChg>
+        <pc:picChg chg="mod">
+          <ac:chgData name="Graeme Foster" userId="0b42d6ed-b5a2-4a4e-8761-134bf435909a" providerId="ADAL" clId="{B412B967-33C4-4008-B8E3-CFFD49338A09}" dt="2023-04-17T00:51:14.479" v="1128" actId="26606"/>
+          <ac:picMkLst>
+            <pc:docMk/>
+            <pc:sldMk cId="3759087649" sldId="260"/>
+            <ac:picMk id="5" creationId="{31613C9E-E783-40F9-BF2F-B1945CFFAA81}"/>
+          </ac:picMkLst>
+        </pc:picChg>
+        <pc:picChg chg="del">
+          <ac:chgData name="Graeme Foster" userId="0b42d6ed-b5a2-4a4e-8761-134bf435909a" providerId="ADAL" clId="{B412B967-33C4-4008-B8E3-CFFD49338A09}" dt="2023-04-16T07:28:56.343" v="3"/>
+          <ac:picMkLst>
+            <pc:docMk/>
+            <pc:sldMk cId="3759087649" sldId="260"/>
+            <ac:picMk id="10" creationId="{41B68C77-138E-4BF7-A276-BD0C78A4219F}"/>
+          </ac:picMkLst>
+        </pc:picChg>
+        <pc:picChg chg="del">
+          <ac:chgData name="Graeme Foster" userId="0b42d6ed-b5a2-4a4e-8761-134bf435909a" providerId="ADAL" clId="{B412B967-33C4-4008-B8E3-CFFD49338A09}" dt="2023-04-16T07:28:56.343" v="3"/>
+          <ac:picMkLst>
+            <pc:docMk/>
+            <pc:sldMk cId="3759087649" sldId="260"/>
+            <ac:picMk id="12" creationId="{7C268552-D473-46ED-B1B8-422042C4DEF1}"/>
+          </ac:picMkLst>
+        </pc:picChg>
+        <pc:picChg chg="del">
+          <ac:chgData name="Graeme Foster" userId="0b42d6ed-b5a2-4a4e-8761-134bf435909a" providerId="ADAL" clId="{B412B967-33C4-4008-B8E3-CFFD49338A09}" dt="2023-04-16T07:28:56.343" v="3"/>
+          <ac:picMkLst>
+            <pc:docMk/>
+            <pc:sldMk cId="3759087649" sldId="260"/>
+            <ac:picMk id="16" creationId="{B9238B3E-24AA-439A-B527-6C5DF6D72145}"/>
+          </ac:picMkLst>
+        </pc:picChg>
+        <pc:picChg chg="del">
+          <ac:chgData name="Graeme Foster" userId="0b42d6ed-b5a2-4a4e-8761-134bf435909a" providerId="ADAL" clId="{B412B967-33C4-4008-B8E3-CFFD49338A09}" dt="2023-04-16T07:28:56.343" v="3"/>
+          <ac:picMkLst>
+            <pc:docMk/>
+            <pc:sldMk cId="3759087649" sldId="260"/>
+            <ac:picMk id="18" creationId="{69F01145-BEA3-4CBF-AA21-10077B948CA8}"/>
+          </ac:picMkLst>
+        </pc:picChg>
+        <pc:cxnChg chg="add">
+          <ac:chgData name="Graeme Foster" userId="0b42d6ed-b5a2-4a4e-8761-134bf435909a" providerId="ADAL" clId="{B412B967-33C4-4008-B8E3-CFFD49338A09}" dt="2023-04-17T00:51:14.479" v="1128" actId="26606"/>
+          <ac:cxnSpMkLst>
+            <pc:docMk/>
+            <pc:sldMk cId="3759087649" sldId="260"/>
+            <ac:cxnSpMk id="9" creationId="{7E1D4427-852B-4B37-8E76-0E9F1810BA2A}"/>
+          </ac:cxnSpMkLst>
+        </pc:cxnChg>
+      </pc:sldChg>
+      <pc:sldChg chg="modSp mod">
+        <pc:chgData name="Graeme Foster" userId="0b42d6ed-b5a2-4a4e-8761-134bf435909a" providerId="ADAL" clId="{B412B967-33C4-4008-B8E3-CFFD49338A09}" dt="2023-04-16T07:36:35.406" v="343" actId="20577"/>
+        <pc:sldMkLst>
+          <pc:docMk/>
+          <pc:sldMk cId="3460909191" sldId="263"/>
+        </pc:sldMkLst>
+        <pc:spChg chg="mod">
+          <ac:chgData name="Graeme Foster" userId="0b42d6ed-b5a2-4a4e-8761-134bf435909a" providerId="ADAL" clId="{B412B967-33C4-4008-B8E3-CFFD49338A09}" dt="2023-04-16T07:36:35.406" v="343" actId="20577"/>
+          <ac:spMkLst>
+            <pc:docMk/>
+            <pc:sldMk cId="3460909191" sldId="263"/>
+            <ac:spMk id="2" creationId="{3E477F5F-B822-56CA-003E-54EC2E80119F}"/>
+          </ac:spMkLst>
+        </pc:spChg>
+        <pc:spChg chg="mod">
+          <ac:chgData name="Graeme Foster" userId="0b42d6ed-b5a2-4a4e-8761-134bf435909a" providerId="ADAL" clId="{B412B967-33C4-4008-B8E3-CFFD49338A09}" dt="2023-04-16T07:36:32.711" v="340" actId="21"/>
+          <ac:spMkLst>
+            <pc:docMk/>
+            <pc:sldMk cId="3460909191" sldId="263"/>
+            <ac:spMk id="4" creationId="{A3B18AF2-32B2-ACBE-472B-7114A054F6BC}"/>
+          </ac:spMkLst>
+        </pc:spChg>
+      </pc:sldChg>
+      <pc:sldChg chg="modSp mod">
+        <pc:chgData name="Graeme Foster" userId="0b42d6ed-b5a2-4a4e-8761-134bf435909a" providerId="ADAL" clId="{B412B967-33C4-4008-B8E3-CFFD49338A09}" dt="2023-04-16T07:38:35.042" v="440" actId="113"/>
+        <pc:sldMkLst>
+          <pc:docMk/>
+          <pc:sldMk cId="1437943923" sldId="264"/>
+        </pc:sldMkLst>
+        <pc:spChg chg="mod">
+          <ac:chgData name="Graeme Foster" userId="0b42d6ed-b5a2-4a4e-8761-134bf435909a" providerId="ADAL" clId="{B412B967-33C4-4008-B8E3-CFFD49338A09}" dt="2023-04-16T07:29:10.868" v="6"/>
+          <ac:spMkLst>
+            <pc:docMk/>
+            <pc:sldMk cId="1437943923" sldId="264"/>
+            <ac:spMk id="2" creationId="{A5DDA0A9-558F-1553-270E-77C8908D3230}"/>
+          </ac:spMkLst>
+        </pc:spChg>
+        <pc:spChg chg="mod">
+          <ac:chgData name="Graeme Foster" userId="0b42d6ed-b5a2-4a4e-8761-134bf435909a" providerId="ADAL" clId="{B412B967-33C4-4008-B8E3-CFFD49338A09}" dt="2023-04-16T07:31:16.798" v="88" actId="207"/>
+          <ac:spMkLst>
+            <pc:docMk/>
+            <pc:sldMk cId="1437943923" sldId="264"/>
+            <ac:spMk id="6" creationId="{176AF8F4-6D58-6C89-F038-61C8FA928412}"/>
+          </ac:spMkLst>
+        </pc:spChg>
+        <pc:spChg chg="mod">
+          <ac:chgData name="Graeme Foster" userId="0b42d6ed-b5a2-4a4e-8761-134bf435909a" providerId="ADAL" clId="{B412B967-33C4-4008-B8E3-CFFD49338A09}" dt="2023-04-16T07:38:35.042" v="440" actId="113"/>
+          <ac:spMkLst>
+            <pc:docMk/>
+            <pc:sldMk cId="1437943923" sldId="264"/>
+            <ac:spMk id="7" creationId="{2AE19D12-738F-0F7F-DAFC-A14C50C6ECE9}"/>
+          </ac:spMkLst>
+        </pc:spChg>
+      </pc:sldChg>
+      <pc:sldChg chg="modSp mod">
+        <pc:chgData name="Graeme Foster" userId="0b42d6ed-b5a2-4a4e-8761-134bf435909a" providerId="ADAL" clId="{B412B967-33C4-4008-B8E3-CFFD49338A09}" dt="2023-04-16T07:32:07.692" v="97" actId="1076"/>
+        <pc:sldMkLst>
+          <pc:docMk/>
+          <pc:sldMk cId="599035346" sldId="267"/>
+        </pc:sldMkLst>
+        <pc:spChg chg="mod">
+          <ac:chgData name="Graeme Foster" userId="0b42d6ed-b5a2-4a4e-8761-134bf435909a" providerId="ADAL" clId="{B412B967-33C4-4008-B8E3-CFFD49338A09}" dt="2023-04-16T07:29:10.868" v="6"/>
+          <ac:spMkLst>
+            <pc:docMk/>
+            <pc:sldMk cId="599035346" sldId="267"/>
+            <ac:spMk id="2" creationId="{A254591A-EDBB-70C9-5743-21B2091F1317}"/>
+          </ac:spMkLst>
+        </pc:spChg>
+        <pc:picChg chg="mod">
+          <ac:chgData name="Graeme Foster" userId="0b42d6ed-b5a2-4a4e-8761-134bf435909a" providerId="ADAL" clId="{B412B967-33C4-4008-B8E3-CFFD49338A09}" dt="2023-04-16T07:32:07.692" v="97" actId="1076"/>
+          <ac:picMkLst>
+            <pc:docMk/>
+            <pc:sldMk cId="599035346" sldId="267"/>
+            <ac:picMk id="5" creationId="{52465FF7-7FE8-0CC0-7C77-B3262DA6FDF4}"/>
+          </ac:picMkLst>
+        </pc:picChg>
+      </pc:sldChg>
+      <pc:sldChg chg="modSp mod">
+        <pc:chgData name="Graeme Foster" userId="0b42d6ed-b5a2-4a4e-8761-134bf435909a" providerId="ADAL" clId="{B412B967-33C4-4008-B8E3-CFFD49338A09}" dt="2023-04-16T07:34:17.120" v="197" actId="20577"/>
+        <pc:sldMkLst>
+          <pc:docMk/>
+          <pc:sldMk cId="4294085421" sldId="268"/>
+        </pc:sldMkLst>
+        <pc:spChg chg="mod">
+          <ac:chgData name="Graeme Foster" userId="0b42d6ed-b5a2-4a4e-8761-134bf435909a" providerId="ADAL" clId="{B412B967-33C4-4008-B8E3-CFFD49338A09}" dt="2023-04-16T07:34:17.120" v="197" actId="20577"/>
+          <ac:spMkLst>
+            <pc:docMk/>
+            <pc:sldMk cId="4294085421" sldId="268"/>
+            <ac:spMk id="2" creationId="{A5DDA0A9-558F-1553-270E-77C8908D3230}"/>
+          </ac:spMkLst>
+        </pc:spChg>
+        <pc:spChg chg="mod">
+          <ac:chgData name="Graeme Foster" userId="0b42d6ed-b5a2-4a4e-8761-134bf435909a" providerId="ADAL" clId="{B412B967-33C4-4008-B8E3-CFFD49338A09}" dt="2023-04-16T07:34:06.760" v="194" actId="20577"/>
+          <ac:spMkLst>
+            <pc:docMk/>
+            <pc:sldMk cId="4294085421" sldId="268"/>
+            <ac:spMk id="3" creationId="{F14D38CC-7E8C-EA6F-CB0F-5DE122D17C01}"/>
+          </ac:spMkLst>
+        </pc:spChg>
+      </pc:sldChg>
+      <pc:sldChg chg="modSp mod">
+        <pc:chgData name="Graeme Foster" userId="0b42d6ed-b5a2-4a4e-8761-134bf435909a" providerId="ADAL" clId="{B412B967-33C4-4008-B8E3-CFFD49338A09}" dt="2023-04-18T05:23:22.466" v="1205" actId="20577"/>
+        <pc:sldMkLst>
+          <pc:docMk/>
+          <pc:sldMk cId="3286575950" sldId="269"/>
+        </pc:sldMkLst>
+        <pc:spChg chg="mod">
+          <ac:chgData name="Graeme Foster" userId="0b42d6ed-b5a2-4a4e-8761-134bf435909a" providerId="ADAL" clId="{B412B967-33C4-4008-B8E3-CFFD49338A09}" dt="2023-04-16T07:29:10.868" v="6"/>
+          <ac:spMkLst>
+            <pc:docMk/>
+            <pc:sldMk cId="3286575950" sldId="269"/>
+            <ac:spMk id="2" creationId="{A5DDA0A9-558F-1553-270E-77C8908D3230}"/>
+          </ac:spMkLst>
+        </pc:spChg>
+        <pc:spChg chg="mod">
+          <ac:chgData name="Graeme Foster" userId="0b42d6ed-b5a2-4a4e-8761-134bf435909a" providerId="ADAL" clId="{B412B967-33C4-4008-B8E3-CFFD49338A09}" dt="2023-04-18T05:23:22.466" v="1205" actId="20577"/>
+          <ac:spMkLst>
+            <pc:docMk/>
+            <pc:sldMk cId="3286575950" sldId="269"/>
+            <ac:spMk id="3" creationId="{F14D38CC-7E8C-EA6F-CB0F-5DE122D17C01}"/>
+          </ac:spMkLst>
+        </pc:spChg>
+      </pc:sldChg>
+      <pc:sldChg chg="modSp mod">
+        <pc:chgData name="Graeme Foster" userId="0b42d6ed-b5a2-4a4e-8761-134bf435909a" providerId="ADAL" clId="{B412B967-33C4-4008-B8E3-CFFD49338A09}" dt="2023-04-16T07:38:31.981" v="439" actId="113"/>
+        <pc:sldMkLst>
+          <pc:docMk/>
+          <pc:sldMk cId="530886633" sldId="270"/>
+        </pc:sldMkLst>
+        <pc:spChg chg="mod">
+          <ac:chgData name="Graeme Foster" userId="0b42d6ed-b5a2-4a4e-8761-134bf435909a" providerId="ADAL" clId="{B412B967-33C4-4008-B8E3-CFFD49338A09}" dt="2023-04-16T07:29:10.868" v="6"/>
+          <ac:spMkLst>
+            <pc:docMk/>
+            <pc:sldMk cId="530886633" sldId="270"/>
+            <ac:spMk id="2" creationId="{A5DDA0A9-558F-1553-270E-77C8908D3230}"/>
+          </ac:spMkLst>
+        </pc:spChg>
+        <pc:spChg chg="mod">
+          <ac:chgData name="Graeme Foster" userId="0b42d6ed-b5a2-4a4e-8761-134bf435909a" providerId="ADAL" clId="{B412B967-33C4-4008-B8E3-CFFD49338A09}" dt="2023-04-16T07:38:31.981" v="439" actId="113"/>
+          <ac:spMkLst>
+            <pc:docMk/>
+            <pc:sldMk cId="530886633" sldId="270"/>
+            <ac:spMk id="3" creationId="{55FD833E-B248-57BC-6270-46E49D0345E7}"/>
+          </ac:spMkLst>
+        </pc:spChg>
+        <pc:spChg chg="mod">
+          <ac:chgData name="Graeme Foster" userId="0b42d6ed-b5a2-4a4e-8761-134bf435909a" providerId="ADAL" clId="{B412B967-33C4-4008-B8E3-CFFD49338A09}" dt="2023-04-16T07:31:28.764" v="90" actId="2085"/>
+          <ac:spMkLst>
+            <pc:docMk/>
+            <pc:sldMk cId="530886633" sldId="270"/>
+            <ac:spMk id="4" creationId="{B4F98D5D-E5B3-913A-1F00-CC4BA5DC2295}"/>
+          </ac:spMkLst>
+        </pc:spChg>
+      </pc:sldChg>
+      <pc:sldChg chg="modSp mod">
+        <pc:chgData name="Graeme Foster" userId="0b42d6ed-b5a2-4a4e-8761-134bf435909a" providerId="ADAL" clId="{B412B967-33C4-4008-B8E3-CFFD49338A09}" dt="2023-04-16T07:39:42.187" v="514" actId="6549"/>
+        <pc:sldMkLst>
+          <pc:docMk/>
+          <pc:sldMk cId="784590009" sldId="271"/>
+        </pc:sldMkLst>
+        <pc:spChg chg="mod">
+          <ac:chgData name="Graeme Foster" userId="0b42d6ed-b5a2-4a4e-8761-134bf435909a" providerId="ADAL" clId="{B412B967-33C4-4008-B8E3-CFFD49338A09}" dt="2023-04-16T07:29:10.868" v="6"/>
+          <ac:spMkLst>
+            <pc:docMk/>
+            <pc:sldMk cId="784590009" sldId="271"/>
+            <ac:spMk id="2" creationId="{A5DDA0A9-558F-1553-270E-77C8908D3230}"/>
+          </ac:spMkLst>
+        </pc:spChg>
+        <pc:spChg chg="mod">
+          <ac:chgData name="Graeme Foster" userId="0b42d6ed-b5a2-4a4e-8761-134bf435909a" providerId="ADAL" clId="{B412B967-33C4-4008-B8E3-CFFD49338A09}" dt="2023-04-16T07:31:42.837" v="94" actId="2085"/>
+          <ac:spMkLst>
+            <pc:docMk/>
+            <pc:sldMk cId="784590009" sldId="271"/>
+            <ac:spMk id="3" creationId="{2E708B75-4C30-765F-55DE-4FEAF74E611A}"/>
+          </ac:spMkLst>
+        </pc:spChg>
+        <pc:spChg chg="mod">
+          <ac:chgData name="Graeme Foster" userId="0b42d6ed-b5a2-4a4e-8761-134bf435909a" providerId="ADAL" clId="{B412B967-33C4-4008-B8E3-CFFD49338A09}" dt="2023-04-16T07:39:42.187" v="514" actId="6549"/>
+          <ac:spMkLst>
+            <pc:docMk/>
+            <pc:sldMk cId="784590009" sldId="271"/>
+            <ac:spMk id="8" creationId="{424CC210-4B1F-7A31-B31D-327D4796D79D}"/>
+          </ac:spMkLst>
+        </pc:spChg>
+      </pc:sldChg>
+      <pc:sldChg chg="addSp modSp mod">
+        <pc:chgData name="Graeme Foster" userId="0b42d6ed-b5a2-4a4e-8761-134bf435909a" providerId="ADAL" clId="{B412B967-33C4-4008-B8E3-CFFD49338A09}" dt="2023-04-18T05:25:46.588" v="1300" actId="1076"/>
+        <pc:sldMkLst>
+          <pc:docMk/>
+          <pc:sldMk cId="1561210972" sldId="272"/>
+        </pc:sldMkLst>
+        <pc:spChg chg="mod">
+          <ac:chgData name="Graeme Foster" userId="0b42d6ed-b5a2-4a4e-8761-134bf435909a" providerId="ADAL" clId="{B412B967-33C4-4008-B8E3-CFFD49338A09}" dt="2023-04-16T07:29:10.868" v="6"/>
+          <ac:spMkLst>
+            <pc:docMk/>
+            <pc:sldMk cId="1561210972" sldId="272"/>
+            <ac:spMk id="2" creationId="{A5DDA0A9-558F-1553-270E-77C8908D3230}"/>
+          </ac:spMkLst>
+        </pc:spChg>
+        <pc:spChg chg="mod">
+          <ac:chgData name="Graeme Foster" userId="0b42d6ed-b5a2-4a4e-8761-134bf435909a" providerId="ADAL" clId="{B412B967-33C4-4008-B8E3-CFFD49338A09}" dt="2023-04-16T07:31:48.491" v="96" actId="2085"/>
+          <ac:spMkLst>
+            <pc:docMk/>
+            <pc:sldMk cId="1561210972" sldId="272"/>
+            <ac:spMk id="3" creationId="{D0B90953-C86C-A401-0F11-92A578E672EF}"/>
+          </ac:spMkLst>
+        </pc:spChg>
+        <pc:spChg chg="add mod">
+          <ac:chgData name="Graeme Foster" userId="0b42d6ed-b5a2-4a4e-8761-134bf435909a" providerId="ADAL" clId="{B412B967-33C4-4008-B8E3-CFFD49338A09}" dt="2023-04-18T05:25:46.588" v="1300" actId="1076"/>
+          <ac:spMkLst>
+            <pc:docMk/>
+            <pc:sldMk cId="1561210972" sldId="272"/>
+            <ac:spMk id="5" creationId="{F65DB0E5-7BAB-4D78-1D1E-510B08629FCF}"/>
+          </ac:spMkLst>
+        </pc:spChg>
+        <pc:spChg chg="mod">
+          <ac:chgData name="Graeme Foster" userId="0b42d6ed-b5a2-4a4e-8761-134bf435909a" providerId="ADAL" clId="{B412B967-33C4-4008-B8E3-CFFD49338A09}" dt="2023-04-16T07:39:58.974" v="525" actId="113"/>
+          <ac:spMkLst>
+            <pc:docMk/>
+            <pc:sldMk cId="1561210972" sldId="272"/>
+            <ac:spMk id="7" creationId="{BDD10F9E-F76F-3FE1-0EBA-E00DE5C32C77}"/>
+          </ac:spMkLst>
+        </pc:spChg>
+      </pc:sldChg>
+      <pc:sldChg chg="modSp mod">
+        <pc:chgData name="Graeme Foster" userId="0b42d6ed-b5a2-4a4e-8761-134bf435909a" providerId="ADAL" clId="{B412B967-33C4-4008-B8E3-CFFD49338A09}" dt="2023-04-16T07:39:51.169" v="522" actId="20577"/>
+        <pc:sldMkLst>
+          <pc:docMk/>
+          <pc:sldMk cId="870143100" sldId="273"/>
+        </pc:sldMkLst>
+        <pc:spChg chg="mod">
+          <ac:chgData name="Graeme Foster" userId="0b42d6ed-b5a2-4a4e-8761-134bf435909a" providerId="ADAL" clId="{B412B967-33C4-4008-B8E3-CFFD49338A09}" dt="2023-04-16T07:29:10.868" v="6"/>
+          <ac:spMkLst>
+            <pc:docMk/>
+            <pc:sldMk cId="870143100" sldId="273"/>
+            <ac:spMk id="2" creationId="{A5DDA0A9-558F-1553-270E-77C8908D3230}"/>
+          </ac:spMkLst>
+        </pc:spChg>
+        <pc:spChg chg="mod">
+          <ac:chgData name="Graeme Foster" userId="0b42d6ed-b5a2-4a4e-8761-134bf435909a" providerId="ADAL" clId="{B412B967-33C4-4008-B8E3-CFFD49338A09}" dt="2023-04-16T07:31:35.790" v="92" actId="2085"/>
+          <ac:spMkLst>
+            <pc:docMk/>
+            <pc:sldMk cId="870143100" sldId="273"/>
+            <ac:spMk id="3" creationId="{992A0174-10DD-6FFB-FAD4-CF909A89215C}"/>
+          </ac:spMkLst>
+        </pc:spChg>
+        <pc:spChg chg="mod">
+          <ac:chgData name="Graeme Foster" userId="0b42d6ed-b5a2-4a4e-8761-134bf435909a" providerId="ADAL" clId="{B412B967-33C4-4008-B8E3-CFFD49338A09}" dt="2023-04-16T07:39:51.169" v="522" actId="20577"/>
+          <ac:spMkLst>
+            <pc:docMk/>
+            <pc:sldMk cId="870143100" sldId="273"/>
+            <ac:spMk id="8" creationId="{424CC210-4B1F-7A31-B31D-327D4796D79D}"/>
+          </ac:spMkLst>
+        </pc:spChg>
+      </pc:sldChg>
+      <pc:sldChg chg="modSp mod ord">
+        <pc:chgData name="Graeme Foster" userId="0b42d6ed-b5a2-4a4e-8761-134bf435909a" providerId="ADAL" clId="{B412B967-33C4-4008-B8E3-CFFD49338A09}" dt="2023-04-17T09:45:00.241" v="1203"/>
+        <pc:sldMkLst>
+          <pc:docMk/>
+          <pc:sldMk cId="1145865439" sldId="274"/>
+        </pc:sldMkLst>
+        <pc:spChg chg="mod">
+          <ac:chgData name="Graeme Foster" userId="0b42d6ed-b5a2-4a4e-8761-134bf435909a" providerId="ADAL" clId="{B412B967-33C4-4008-B8E3-CFFD49338A09}" dt="2023-04-16T07:45:10.292" v="931" actId="20577"/>
+          <ac:spMkLst>
+            <pc:docMk/>
+            <pc:sldMk cId="1145865439" sldId="274"/>
+            <ac:spMk id="2" creationId="{A5DDA0A9-558F-1553-270E-77C8908D3230}"/>
+          </ac:spMkLst>
+        </pc:spChg>
+        <pc:spChg chg="mod">
+          <ac:chgData name="Graeme Foster" userId="0b42d6ed-b5a2-4a4e-8761-134bf435909a" providerId="ADAL" clId="{B412B967-33C4-4008-B8E3-CFFD49338A09}" dt="2023-04-16T07:46:00.904" v="1116" actId="20577"/>
+          <ac:spMkLst>
+            <pc:docMk/>
+            <pc:sldMk cId="1145865439" sldId="274"/>
+            <ac:spMk id="3" creationId="{F14D38CC-7E8C-EA6F-CB0F-5DE122D17C01}"/>
+          </ac:spMkLst>
+        </pc:spChg>
+      </pc:sldChg>
+      <pc:sldChg chg="modSp mod">
+        <pc:chgData name="Graeme Foster" userId="0b42d6ed-b5a2-4a4e-8761-134bf435909a" providerId="ADAL" clId="{B412B967-33C4-4008-B8E3-CFFD49338A09}" dt="2023-04-16T07:44:39.160" v="888" actId="20577"/>
+        <pc:sldMkLst>
+          <pc:docMk/>
+          <pc:sldMk cId="869986789" sldId="276"/>
+        </pc:sldMkLst>
+        <pc:spChg chg="mod">
+          <ac:chgData name="Graeme Foster" userId="0b42d6ed-b5a2-4a4e-8761-134bf435909a" providerId="ADAL" clId="{B412B967-33C4-4008-B8E3-CFFD49338A09}" dt="2023-04-16T07:42:25.982" v="559" actId="20577"/>
+          <ac:spMkLst>
+            <pc:docMk/>
+            <pc:sldMk cId="869986789" sldId="276"/>
+            <ac:spMk id="2" creationId="{A5DDA0A9-558F-1553-270E-77C8908D3230}"/>
+          </ac:spMkLst>
+        </pc:spChg>
+        <pc:spChg chg="mod">
+          <ac:chgData name="Graeme Foster" userId="0b42d6ed-b5a2-4a4e-8761-134bf435909a" providerId="ADAL" clId="{B412B967-33C4-4008-B8E3-CFFD49338A09}" dt="2023-04-16T07:44:39.160" v="888" actId="20577"/>
+          <ac:spMkLst>
+            <pc:docMk/>
+            <pc:sldMk cId="869986789" sldId="276"/>
+            <ac:spMk id="3" creationId="{F14D38CC-7E8C-EA6F-CB0F-5DE122D17C01}"/>
+          </ac:spMkLst>
+        </pc:spChg>
+      </pc:sldChg>
+      <pc:sldChg chg="modSp mod">
+        <pc:chgData name="Graeme Foster" userId="0b42d6ed-b5a2-4a4e-8761-134bf435909a" providerId="ADAL" clId="{B412B967-33C4-4008-B8E3-CFFD49338A09}" dt="2023-04-16T07:41:39.158" v="550" actId="20577"/>
+        <pc:sldMkLst>
+          <pc:docMk/>
+          <pc:sldMk cId="1288903722" sldId="277"/>
+        </pc:sldMkLst>
+        <pc:spChg chg="mod">
+          <ac:chgData name="Graeme Foster" userId="0b42d6ed-b5a2-4a4e-8761-134bf435909a" providerId="ADAL" clId="{B412B967-33C4-4008-B8E3-CFFD49338A09}" dt="2023-04-16T07:29:10.868" v="6"/>
+          <ac:spMkLst>
+            <pc:docMk/>
+            <pc:sldMk cId="1288903722" sldId="277"/>
+            <ac:spMk id="2" creationId="{A5DDA0A9-558F-1553-270E-77C8908D3230}"/>
+          </ac:spMkLst>
+        </pc:spChg>
+        <pc:spChg chg="mod">
+          <ac:chgData name="Graeme Foster" userId="0b42d6ed-b5a2-4a4e-8761-134bf435909a" providerId="ADAL" clId="{B412B967-33C4-4008-B8E3-CFFD49338A09}" dt="2023-04-16T07:41:39.158" v="550" actId="20577"/>
+          <ac:spMkLst>
+            <pc:docMk/>
+            <pc:sldMk cId="1288903722" sldId="277"/>
+            <ac:spMk id="3" creationId="{F14D38CC-7E8C-EA6F-CB0F-5DE122D17C01}"/>
+          </ac:spMkLst>
+        </pc:spChg>
+      </pc:sldChg>
+      <pc:sldChg chg="modSp add mod">
+        <pc:chgData name="Graeme Foster" userId="0b42d6ed-b5a2-4a4e-8761-134bf435909a" providerId="ADAL" clId="{B412B967-33C4-4008-B8E3-CFFD49338A09}" dt="2023-04-17T09:43:58.114" v="1199" actId="20577"/>
+        <pc:sldMkLst>
+          <pc:docMk/>
+          <pc:sldMk cId="3308280083" sldId="278"/>
+        </pc:sldMkLst>
+        <pc:spChg chg="mod">
+          <ac:chgData name="Graeme Foster" userId="0b42d6ed-b5a2-4a4e-8761-134bf435909a" providerId="ADAL" clId="{B412B967-33C4-4008-B8E3-CFFD49338A09}" dt="2023-04-17T09:43:06.076" v="1140" actId="20577"/>
+          <ac:spMkLst>
+            <pc:docMk/>
+            <pc:sldMk cId="3308280083" sldId="278"/>
+            <ac:spMk id="2" creationId="{A5DDA0A9-558F-1553-270E-77C8908D3230}"/>
+          </ac:spMkLst>
+        </pc:spChg>
+        <pc:spChg chg="mod">
+          <ac:chgData name="Graeme Foster" userId="0b42d6ed-b5a2-4a4e-8761-134bf435909a" providerId="ADAL" clId="{B412B967-33C4-4008-B8E3-CFFD49338A09}" dt="2023-04-17T09:43:58.114" v="1199" actId="20577"/>
+          <ac:spMkLst>
+            <pc:docMk/>
+            <pc:sldMk cId="3308280083" sldId="278"/>
+            <ac:spMk id="3" creationId="{F14D38CC-7E8C-EA6F-CB0F-5DE122D17C01}"/>
+          </ac:spMkLst>
+        </pc:spChg>
+      </pc:sldChg>
+      <pc:sldChg chg="modSp add del mod">
+        <pc:chgData name="Graeme Foster" userId="0b42d6ed-b5a2-4a4e-8761-134bf435909a" providerId="ADAL" clId="{B412B967-33C4-4008-B8E3-CFFD49338A09}" dt="2023-04-16T07:34:32.669" v="215" actId="47"/>
+        <pc:sldMkLst>
+          <pc:docMk/>
+          <pc:sldMk cId="327568025" sldId="279"/>
+        </pc:sldMkLst>
+        <pc:spChg chg="mod">
+          <ac:chgData name="Graeme Foster" userId="0b42d6ed-b5a2-4a4e-8761-134bf435909a" providerId="ADAL" clId="{B412B967-33C4-4008-B8E3-CFFD49338A09}" dt="2023-04-16T07:34:25.143" v="203" actId="20577"/>
+          <ac:spMkLst>
+            <pc:docMk/>
+            <pc:sldMk cId="327568025" sldId="279"/>
+            <ac:spMk id="2" creationId="{A5DDA0A9-558F-1553-270E-77C8908D3230}"/>
+          </ac:spMkLst>
+        </pc:spChg>
+      </pc:sldChg>
+      <pc:sldChg chg="add">
+        <pc:chgData name="Graeme Foster" userId="0b42d6ed-b5a2-4a4e-8761-134bf435909a" providerId="ADAL" clId="{B412B967-33C4-4008-B8E3-CFFD49338A09}" dt="2023-04-16T07:42:20.156" v="551"/>
+        <pc:sldMkLst>
+          <pc:docMk/>
+          <pc:sldMk cId="3675167918" sldId="279"/>
+        </pc:sldMkLst>
       </pc:sldChg>
     </pc:docChg>
   </pc:docChgLst>
@@ -2153,926 +3073,6 @@
         <pc:sldMkLst>
           <pc:docMk/>
           <pc:sldMk cId="1288903722" sldId="277"/>
-        </pc:sldMkLst>
-      </pc:sldChg>
-    </pc:docChg>
-  </pc:docChgLst>
-  <pc:docChgLst>
-    <pc:chgData name="Graeme Foster" userId="0b42d6ed-b5a2-4a4e-8761-134bf435909a" providerId="ADAL" clId="{C2900159-B581-4185-A8BD-F52298A92B6E}"/>
-    <pc:docChg chg="undo custSel delSld modSld">
-      <pc:chgData name="Graeme Foster" userId="0b42d6ed-b5a2-4a4e-8761-134bf435909a" providerId="ADAL" clId="{C2900159-B581-4185-A8BD-F52298A92B6E}" dt="2023-03-16T23:03:48.621" v="472" actId="20577"/>
-      <pc:docMkLst>
-        <pc:docMk/>
-      </pc:docMkLst>
-      <pc:sldChg chg="modSp mod">
-        <pc:chgData name="Graeme Foster" userId="0b42d6ed-b5a2-4a4e-8761-134bf435909a" providerId="ADAL" clId="{C2900159-B581-4185-A8BD-F52298A92B6E}" dt="2023-03-13T07:00:58.040" v="452" actId="5793"/>
-        <pc:sldMkLst>
-          <pc:docMk/>
-          <pc:sldMk cId="4048094195" sldId="259"/>
-        </pc:sldMkLst>
-        <pc:spChg chg="mod">
-          <ac:chgData name="Graeme Foster" userId="0b42d6ed-b5a2-4a4e-8761-134bf435909a" providerId="ADAL" clId="{C2900159-B581-4185-A8BD-F52298A92B6E}" dt="2023-03-13T07:00:58.040" v="452" actId="5793"/>
-          <ac:spMkLst>
-            <pc:docMk/>
-            <pc:sldMk cId="4048094195" sldId="259"/>
-            <ac:spMk id="2" creationId="{328ED261-9AEA-7500-C13E-9AF93F2EEFD9}"/>
-          </ac:spMkLst>
-        </pc:spChg>
-      </pc:sldChg>
-      <pc:sldChg chg="modSp mod">
-        <pc:chgData name="Graeme Foster" userId="0b42d6ed-b5a2-4a4e-8761-134bf435909a" providerId="ADAL" clId="{C2900159-B581-4185-A8BD-F52298A92B6E}" dt="2023-03-16T23:03:48.621" v="472" actId="20577"/>
-        <pc:sldMkLst>
-          <pc:docMk/>
-          <pc:sldMk cId="3460909191" sldId="263"/>
-        </pc:sldMkLst>
-        <pc:spChg chg="mod">
-          <ac:chgData name="Graeme Foster" userId="0b42d6ed-b5a2-4a4e-8761-134bf435909a" providerId="ADAL" clId="{C2900159-B581-4185-A8BD-F52298A92B6E}" dt="2023-03-16T23:03:48.621" v="472" actId="20577"/>
-          <ac:spMkLst>
-            <pc:docMk/>
-            <pc:sldMk cId="3460909191" sldId="263"/>
-            <ac:spMk id="4" creationId="{A3B18AF2-32B2-ACBE-472B-7114A054F6BC}"/>
-          </ac:spMkLst>
-        </pc:spChg>
-      </pc:sldChg>
-      <pc:sldChg chg="modSp mod">
-        <pc:chgData name="Graeme Foster" userId="0b42d6ed-b5a2-4a4e-8761-134bf435909a" providerId="ADAL" clId="{C2900159-B581-4185-A8BD-F52298A92B6E}" dt="2023-03-09T00:45:27.596" v="396" actId="20577"/>
-        <pc:sldMkLst>
-          <pc:docMk/>
-          <pc:sldMk cId="4294085421" sldId="268"/>
-        </pc:sldMkLst>
-        <pc:spChg chg="mod">
-          <ac:chgData name="Graeme Foster" userId="0b42d6ed-b5a2-4a4e-8761-134bf435909a" providerId="ADAL" clId="{C2900159-B581-4185-A8BD-F52298A92B6E}" dt="2023-03-09T00:45:27.596" v="396" actId="20577"/>
-          <ac:spMkLst>
-            <pc:docMk/>
-            <pc:sldMk cId="4294085421" sldId="268"/>
-            <ac:spMk id="3" creationId="{F14D38CC-7E8C-EA6F-CB0F-5DE122D17C01}"/>
-          </ac:spMkLst>
-        </pc:spChg>
-      </pc:sldChg>
-      <pc:sldChg chg="modSp mod">
-        <pc:chgData name="Graeme Foster" userId="0b42d6ed-b5a2-4a4e-8761-134bf435909a" providerId="ADAL" clId="{C2900159-B581-4185-A8BD-F52298A92B6E}" dt="2023-03-01T08:15:00.683" v="45" actId="20577"/>
-        <pc:sldMkLst>
-          <pc:docMk/>
-          <pc:sldMk cId="3286575950" sldId="269"/>
-        </pc:sldMkLst>
-        <pc:spChg chg="mod">
-          <ac:chgData name="Graeme Foster" userId="0b42d6ed-b5a2-4a4e-8761-134bf435909a" providerId="ADAL" clId="{C2900159-B581-4185-A8BD-F52298A92B6E}" dt="2023-03-01T08:15:00.683" v="45" actId="20577"/>
-          <ac:spMkLst>
-            <pc:docMk/>
-            <pc:sldMk cId="3286575950" sldId="269"/>
-            <ac:spMk id="3" creationId="{F14D38CC-7E8C-EA6F-CB0F-5DE122D17C01}"/>
-          </ac:spMkLst>
-        </pc:spChg>
-      </pc:sldChg>
-      <pc:sldChg chg="modSp mod">
-        <pc:chgData name="Graeme Foster" userId="0b42d6ed-b5a2-4a4e-8761-134bf435909a" providerId="ADAL" clId="{C2900159-B581-4185-A8BD-F52298A92B6E}" dt="2023-03-09T03:47:13.733" v="428" actId="313"/>
-        <pc:sldMkLst>
-          <pc:docMk/>
-          <pc:sldMk cId="530886633" sldId="270"/>
-        </pc:sldMkLst>
-        <pc:spChg chg="mod">
-          <ac:chgData name="Graeme Foster" userId="0b42d6ed-b5a2-4a4e-8761-134bf435909a" providerId="ADAL" clId="{C2900159-B581-4185-A8BD-F52298A92B6E}" dt="2023-03-09T03:47:13.733" v="428" actId="313"/>
-          <ac:spMkLst>
-            <pc:docMk/>
-            <pc:sldMk cId="530886633" sldId="270"/>
-            <ac:spMk id="3" creationId="{55FD833E-B248-57BC-6270-46E49D0345E7}"/>
-          </ac:spMkLst>
-        </pc:spChg>
-      </pc:sldChg>
-      <pc:sldChg chg="modSp mod">
-        <pc:chgData name="Graeme Foster" userId="0b42d6ed-b5a2-4a4e-8761-134bf435909a" providerId="ADAL" clId="{C2900159-B581-4185-A8BD-F52298A92B6E}" dt="2023-03-09T03:52:38.460" v="434" actId="20577"/>
-        <pc:sldMkLst>
-          <pc:docMk/>
-          <pc:sldMk cId="1288903722" sldId="277"/>
-        </pc:sldMkLst>
-        <pc:spChg chg="mod">
-          <ac:chgData name="Graeme Foster" userId="0b42d6ed-b5a2-4a4e-8761-134bf435909a" providerId="ADAL" clId="{C2900159-B581-4185-A8BD-F52298A92B6E}" dt="2023-03-09T03:52:38.460" v="434" actId="20577"/>
-          <ac:spMkLst>
-            <pc:docMk/>
-            <pc:sldMk cId="1288903722" sldId="277"/>
-            <ac:spMk id="3" creationId="{F14D38CC-7E8C-EA6F-CB0F-5DE122D17C01}"/>
-          </ac:spMkLst>
-        </pc:spChg>
-      </pc:sldChg>
-      <pc:sldChg chg="del">
-        <pc:chgData name="Graeme Foster" userId="0b42d6ed-b5a2-4a4e-8761-134bf435909a" providerId="ADAL" clId="{C2900159-B581-4185-A8BD-F52298A92B6E}" dt="2023-03-01T08:17:35.183" v="334" actId="47"/>
-        <pc:sldMkLst>
-          <pc:docMk/>
-          <pc:sldMk cId="1392104150" sldId="278"/>
-        </pc:sldMkLst>
-      </pc:sldChg>
-    </pc:docChg>
-  </pc:docChgLst>
-  <pc:docChgLst>
-    <pc:chgData name="Graeme Foster" userId="0b42d6ed-b5a2-4a4e-8761-134bf435909a" providerId="ADAL" clId="{B412B967-33C4-4008-B8E3-CFFD49338A09}"/>
-    <pc:docChg chg="undo custSel addSld delSld modSld sldOrd">
-      <pc:chgData name="Graeme Foster" userId="0b42d6ed-b5a2-4a4e-8761-134bf435909a" providerId="ADAL" clId="{B412B967-33C4-4008-B8E3-CFFD49338A09}" dt="2023-04-18T05:25:46.588" v="1300" actId="1076"/>
-      <pc:docMkLst>
-        <pc:docMk/>
-      </pc:docMkLst>
-      <pc:sldChg chg="addSp delSp modSp mod setBg delDesignElem">
-        <pc:chgData name="Graeme Foster" userId="0b42d6ed-b5a2-4a4e-8761-134bf435909a" providerId="ADAL" clId="{B412B967-33C4-4008-B8E3-CFFD49338A09}" dt="2023-04-16T07:30:16.584" v="39" actId="26606"/>
-        <pc:sldMkLst>
-          <pc:docMk/>
-          <pc:sldMk cId="2409442966" sldId="256"/>
-        </pc:sldMkLst>
-        <pc:spChg chg="mod">
-          <ac:chgData name="Graeme Foster" userId="0b42d6ed-b5a2-4a4e-8761-134bf435909a" providerId="ADAL" clId="{B412B967-33C4-4008-B8E3-CFFD49338A09}" dt="2023-04-16T07:30:16.584" v="39" actId="26606"/>
-          <ac:spMkLst>
-            <pc:docMk/>
-            <pc:sldMk cId="2409442966" sldId="256"/>
-            <ac:spMk id="2" creationId="{5DCA5416-62EC-4C43-9FB7-5DAD85C21D1B}"/>
-          </ac:spMkLst>
-        </pc:spChg>
-        <pc:spChg chg="mod">
-          <ac:chgData name="Graeme Foster" userId="0b42d6ed-b5a2-4a4e-8761-134bf435909a" providerId="ADAL" clId="{B412B967-33C4-4008-B8E3-CFFD49338A09}" dt="2023-04-16T07:30:16.584" v="39" actId="26606"/>
-          <ac:spMkLst>
-            <pc:docMk/>
-            <pc:sldMk cId="2409442966" sldId="256"/>
-            <ac:spMk id="4" creationId="{76155F49-F5D4-4A77-AD0C-E489C7A0C9C8}"/>
-          </ac:spMkLst>
-        </pc:spChg>
-        <pc:spChg chg="del">
-          <ac:chgData name="Graeme Foster" userId="0b42d6ed-b5a2-4a4e-8761-134bf435909a" providerId="ADAL" clId="{B412B967-33C4-4008-B8E3-CFFD49338A09}" dt="2023-04-16T07:28:56.343" v="3"/>
-          <ac:spMkLst>
-            <pc:docMk/>
-            <pc:sldMk cId="2409442966" sldId="256"/>
-            <ac:spMk id="7" creationId="{C885E190-58DD-42DD-A4A8-401E15C92A52}"/>
-          </ac:spMkLst>
-        </pc:spChg>
-        <pc:spChg chg="add del">
-          <ac:chgData name="Graeme Foster" userId="0b42d6ed-b5a2-4a4e-8761-134bf435909a" providerId="ADAL" clId="{B412B967-33C4-4008-B8E3-CFFD49338A09}" dt="2023-04-16T07:30:16.584" v="39" actId="26606"/>
-          <ac:spMkLst>
-            <pc:docMk/>
-            <pc:sldMk cId="2409442966" sldId="256"/>
-            <ac:spMk id="8" creationId="{600B5AE2-C5CC-499C-8F2D-249888BE22C2}"/>
-          </ac:spMkLst>
-        </pc:spChg>
-        <pc:spChg chg="add del">
-          <ac:chgData name="Graeme Foster" userId="0b42d6ed-b5a2-4a4e-8761-134bf435909a" providerId="ADAL" clId="{B412B967-33C4-4008-B8E3-CFFD49338A09}" dt="2023-04-16T07:30:16.584" v="39" actId="26606"/>
-          <ac:spMkLst>
-            <pc:docMk/>
-            <pc:sldMk cId="2409442966" sldId="256"/>
-            <ac:spMk id="9" creationId="{BA7A3698-B350-40E5-8475-9BCC41A089FC}"/>
-          </ac:spMkLst>
-        </pc:spChg>
-        <pc:spChg chg="add del">
-          <ac:chgData name="Graeme Foster" userId="0b42d6ed-b5a2-4a4e-8761-134bf435909a" providerId="ADAL" clId="{B412B967-33C4-4008-B8E3-CFFD49338A09}" dt="2023-04-16T07:30:16.584" v="39" actId="26606"/>
-          <ac:spMkLst>
-            <pc:docMk/>
-            <pc:sldMk cId="2409442966" sldId="256"/>
-            <ac:spMk id="16" creationId="{311973C2-EB8B-452A-A698-4A252FD3AE28}"/>
-          </ac:spMkLst>
-        </pc:spChg>
-        <pc:spChg chg="add del">
-          <ac:chgData name="Graeme Foster" userId="0b42d6ed-b5a2-4a4e-8761-134bf435909a" providerId="ADAL" clId="{B412B967-33C4-4008-B8E3-CFFD49338A09}" dt="2023-04-16T07:30:16.584" v="39" actId="26606"/>
-          <ac:spMkLst>
-            <pc:docMk/>
-            <pc:sldMk cId="2409442966" sldId="256"/>
-            <ac:spMk id="18" creationId="{10162E77-11AD-44A7-84EC-40C59EEFBD2E}"/>
-          </ac:spMkLst>
-        </pc:spChg>
-        <pc:spChg chg="add">
-          <ac:chgData name="Graeme Foster" userId="0b42d6ed-b5a2-4a4e-8761-134bf435909a" providerId="ADAL" clId="{B412B967-33C4-4008-B8E3-CFFD49338A09}" dt="2023-04-16T07:30:16.584" v="39" actId="26606"/>
-          <ac:spMkLst>
-            <pc:docMk/>
-            <pc:sldMk cId="2409442966" sldId="256"/>
-            <ac:spMk id="25" creationId="{600B5AE2-C5CC-499C-8F2D-249888BE22C2}"/>
-          </ac:spMkLst>
-        </pc:spChg>
-        <pc:spChg chg="add">
-          <ac:chgData name="Graeme Foster" userId="0b42d6ed-b5a2-4a4e-8761-134bf435909a" providerId="ADAL" clId="{B412B967-33C4-4008-B8E3-CFFD49338A09}" dt="2023-04-16T07:30:16.584" v="39" actId="26606"/>
-          <ac:spMkLst>
-            <pc:docMk/>
-            <pc:sldMk cId="2409442966" sldId="256"/>
-            <ac:spMk id="27" creationId="{BA7A3698-B350-40E5-8475-9BCC41A089FC}"/>
-          </ac:spMkLst>
-        </pc:spChg>
-        <pc:spChg chg="add">
-          <ac:chgData name="Graeme Foster" userId="0b42d6ed-b5a2-4a4e-8761-134bf435909a" providerId="ADAL" clId="{B412B967-33C4-4008-B8E3-CFFD49338A09}" dt="2023-04-16T07:30:16.584" v="39" actId="26606"/>
-          <ac:spMkLst>
-            <pc:docMk/>
-            <pc:sldMk cId="2409442966" sldId="256"/>
-            <ac:spMk id="31" creationId="{990D0034-F768-41E7-85D4-F38C4DE85770}"/>
-          </ac:spMkLst>
-        </pc:spChg>
-        <pc:spChg chg="add">
-          <ac:chgData name="Graeme Foster" userId="0b42d6ed-b5a2-4a4e-8761-134bf435909a" providerId="ADAL" clId="{B412B967-33C4-4008-B8E3-CFFD49338A09}" dt="2023-04-16T07:30:16.584" v="39" actId="26606"/>
-          <ac:spMkLst>
-            <pc:docMk/>
-            <pc:sldMk cId="2409442966" sldId="256"/>
-            <ac:spMk id="33" creationId="{C4F7E42D-8B5A-4FC8-81CD-9E60171F7FA8}"/>
-          </ac:spMkLst>
-        </pc:spChg>
-        <pc:spChg chg="add">
-          <ac:chgData name="Graeme Foster" userId="0b42d6ed-b5a2-4a4e-8761-134bf435909a" providerId="ADAL" clId="{B412B967-33C4-4008-B8E3-CFFD49338A09}" dt="2023-04-16T07:30:16.584" v="39" actId="26606"/>
-          <ac:spMkLst>
-            <pc:docMk/>
-            <pc:sldMk cId="2409442966" sldId="256"/>
-            <ac:spMk id="35" creationId="{8C04651D-B9F4-4935-A02D-364153FBDF54}"/>
-          </ac:spMkLst>
-        </pc:spChg>
-        <pc:picChg chg="mod ord">
-          <ac:chgData name="Graeme Foster" userId="0b42d6ed-b5a2-4a4e-8761-134bf435909a" providerId="ADAL" clId="{B412B967-33C4-4008-B8E3-CFFD49338A09}" dt="2023-04-16T07:30:16.584" v="39" actId="26606"/>
-          <ac:picMkLst>
-            <pc:docMk/>
-            <pc:sldMk cId="2409442966" sldId="256"/>
-            <ac:picMk id="5" creationId="{1281A8CC-7AC9-4727-B6D0-8A7A16261B48}"/>
-          </ac:picMkLst>
-        </pc:picChg>
-        <pc:cxnChg chg="add del">
-          <ac:chgData name="Graeme Foster" userId="0b42d6ed-b5a2-4a4e-8761-134bf435909a" providerId="ADAL" clId="{B412B967-33C4-4008-B8E3-CFFD49338A09}" dt="2023-04-16T07:30:16.584" v="39" actId="26606"/>
-          <ac:cxnSpMkLst>
-            <pc:docMk/>
-            <pc:sldMk cId="2409442966" sldId="256"/>
-            <ac:cxnSpMk id="14" creationId="{0AC655C7-EC94-4BE6-84C8-2F9EFBBB2789}"/>
-          </ac:cxnSpMkLst>
-        </pc:cxnChg>
-        <pc:cxnChg chg="add del">
-          <ac:chgData name="Graeme Foster" userId="0b42d6ed-b5a2-4a4e-8761-134bf435909a" providerId="ADAL" clId="{B412B967-33C4-4008-B8E3-CFFD49338A09}" dt="2023-04-16T07:30:16.584" v="39" actId="26606"/>
-          <ac:cxnSpMkLst>
-            <pc:docMk/>
-            <pc:sldMk cId="2409442966" sldId="256"/>
-            <ac:cxnSpMk id="20" creationId="{5AB158E9-1B40-4CD6-95F0-95CA11DF7B7A}"/>
-          </ac:cxnSpMkLst>
-        </pc:cxnChg>
-        <pc:cxnChg chg="add">
-          <ac:chgData name="Graeme Foster" userId="0b42d6ed-b5a2-4a4e-8761-134bf435909a" providerId="ADAL" clId="{B412B967-33C4-4008-B8E3-CFFD49338A09}" dt="2023-04-16T07:30:16.584" v="39" actId="26606"/>
-          <ac:cxnSpMkLst>
-            <pc:docMk/>
-            <pc:sldMk cId="2409442966" sldId="256"/>
-            <ac:cxnSpMk id="29" creationId="{0AC655C7-EC94-4BE6-84C8-2F9EFBBB2789}"/>
-          </ac:cxnSpMkLst>
-        </pc:cxnChg>
-      </pc:sldChg>
-      <pc:sldChg chg="modSp">
-        <pc:chgData name="Graeme Foster" userId="0b42d6ed-b5a2-4a4e-8761-134bf435909a" providerId="ADAL" clId="{B412B967-33C4-4008-B8E3-CFFD49338A09}" dt="2023-04-16T07:29:10.868" v="6"/>
-        <pc:sldMkLst>
-          <pc:docMk/>
-          <pc:sldMk cId="1406878204" sldId="258"/>
-        </pc:sldMkLst>
-        <pc:spChg chg="mod">
-          <ac:chgData name="Graeme Foster" userId="0b42d6ed-b5a2-4a4e-8761-134bf435909a" providerId="ADAL" clId="{B412B967-33C4-4008-B8E3-CFFD49338A09}" dt="2023-04-16T07:29:10.868" v="6"/>
-          <ac:spMkLst>
-            <pc:docMk/>
-            <pc:sldMk cId="1406878204" sldId="258"/>
-            <ac:spMk id="2" creationId="{6F5B8CE9-DCF4-4EFB-BF9C-01791C3B0250}"/>
-          </ac:spMkLst>
-        </pc:spChg>
-        <pc:spChg chg="mod">
-          <ac:chgData name="Graeme Foster" userId="0b42d6ed-b5a2-4a4e-8761-134bf435909a" providerId="ADAL" clId="{B412B967-33C4-4008-B8E3-CFFD49338A09}" dt="2023-04-16T07:29:10.868" v="6"/>
-          <ac:spMkLst>
-            <pc:docMk/>
-            <pc:sldMk cId="1406878204" sldId="258"/>
-            <ac:spMk id="3" creationId="{D3990305-983F-4012-B072-100979503CB5}"/>
-          </ac:spMkLst>
-        </pc:spChg>
-      </pc:sldChg>
-      <pc:sldChg chg="addSp delSp modSp mod setBg delDesignElem">
-        <pc:chgData name="Graeme Foster" userId="0b42d6ed-b5a2-4a4e-8761-134bf435909a" providerId="ADAL" clId="{B412B967-33C4-4008-B8E3-CFFD49338A09}" dt="2023-04-17T00:50:27.625" v="1122" actId="20577"/>
-        <pc:sldMkLst>
-          <pc:docMk/>
-          <pc:sldMk cId="4048094195" sldId="259"/>
-        </pc:sldMkLst>
-        <pc:spChg chg="mod">
-          <ac:chgData name="Graeme Foster" userId="0b42d6ed-b5a2-4a4e-8761-134bf435909a" providerId="ADAL" clId="{B412B967-33C4-4008-B8E3-CFFD49338A09}" dt="2023-04-17T00:50:27.625" v="1122" actId="20577"/>
-          <ac:spMkLst>
-            <pc:docMk/>
-            <pc:sldMk cId="4048094195" sldId="259"/>
-            <ac:spMk id="2" creationId="{328ED261-9AEA-7500-C13E-9AF93F2EEFD9}"/>
-          </ac:spMkLst>
-        </pc:spChg>
-        <pc:spChg chg="del">
-          <ac:chgData name="Graeme Foster" userId="0b42d6ed-b5a2-4a4e-8761-134bf435909a" providerId="ADAL" clId="{B412B967-33C4-4008-B8E3-CFFD49338A09}" dt="2023-04-16T07:28:56.343" v="3"/>
-          <ac:spMkLst>
-            <pc:docMk/>
-            <pc:sldMk cId="4048094195" sldId="259"/>
-            <ac:spMk id="9" creationId="{989BE678-777B-482A-A616-FEDC47B162E5}"/>
-          </ac:spMkLst>
-        </pc:spChg>
-        <pc:spChg chg="add">
-          <ac:chgData name="Graeme Foster" userId="0b42d6ed-b5a2-4a4e-8761-134bf435909a" providerId="ADAL" clId="{B412B967-33C4-4008-B8E3-CFFD49338A09}" dt="2023-04-16T07:29:33.563" v="8" actId="26606"/>
-          <ac:spMkLst>
-            <pc:docMk/>
-            <pc:sldMk cId="4048094195" sldId="259"/>
-            <ac:spMk id="11" creationId="{25C8D2C1-DA83-420D-9635-D52CE066B5DA}"/>
-          </ac:spMkLst>
-        </pc:spChg>
-        <pc:spChg chg="add">
-          <ac:chgData name="Graeme Foster" userId="0b42d6ed-b5a2-4a4e-8761-134bf435909a" providerId="ADAL" clId="{B412B967-33C4-4008-B8E3-CFFD49338A09}" dt="2023-04-16T07:29:33.563" v="8" actId="26606"/>
-          <ac:spMkLst>
-            <pc:docMk/>
-            <pc:sldMk cId="4048094195" sldId="259"/>
-            <ac:spMk id="13" creationId="{434F74C9-6A0B-409E-AD1C-45B58BE91BB8}"/>
-          </ac:spMkLst>
-        </pc:spChg>
-        <pc:spChg chg="add">
-          <ac:chgData name="Graeme Foster" userId="0b42d6ed-b5a2-4a4e-8761-134bf435909a" providerId="ADAL" clId="{B412B967-33C4-4008-B8E3-CFFD49338A09}" dt="2023-04-16T07:29:33.563" v="8" actId="26606"/>
-          <ac:spMkLst>
-            <pc:docMk/>
-            <pc:sldMk cId="4048094195" sldId="259"/>
-            <ac:spMk id="17" creationId="{90AA6468-80AC-4DDF-9CFB-C7A9507E203F}"/>
-          </ac:spMkLst>
-        </pc:spChg>
-        <pc:spChg chg="add">
-          <ac:chgData name="Graeme Foster" userId="0b42d6ed-b5a2-4a4e-8761-134bf435909a" providerId="ADAL" clId="{B412B967-33C4-4008-B8E3-CFFD49338A09}" dt="2023-04-16T07:29:33.563" v="8" actId="26606"/>
-          <ac:spMkLst>
-            <pc:docMk/>
-            <pc:sldMk cId="4048094195" sldId="259"/>
-            <ac:spMk id="19" creationId="{4AB900CC-5074-4746-A1A4-AF640455BD43}"/>
-          </ac:spMkLst>
-        </pc:spChg>
-        <pc:spChg chg="del">
-          <ac:chgData name="Graeme Foster" userId="0b42d6ed-b5a2-4a4e-8761-134bf435909a" providerId="ADAL" clId="{B412B967-33C4-4008-B8E3-CFFD49338A09}" dt="2023-04-16T07:28:56.343" v="3"/>
-          <ac:spMkLst>
-            <pc:docMk/>
-            <pc:sldMk cId="4048094195" sldId="259"/>
-            <ac:spMk id="20" creationId="{D28BE0C3-2102-4820-B88B-A448B1840D14}"/>
-          </ac:spMkLst>
-        </pc:spChg>
-        <pc:spChg chg="del">
-          <ac:chgData name="Graeme Foster" userId="0b42d6ed-b5a2-4a4e-8761-134bf435909a" providerId="ADAL" clId="{B412B967-33C4-4008-B8E3-CFFD49338A09}" dt="2023-04-16T07:28:56.343" v="3"/>
-          <ac:spMkLst>
-            <pc:docMk/>
-            <pc:sldMk cId="4048094195" sldId="259"/>
-            <ac:spMk id="22" creationId="{E4F17063-EDA4-417B-946F-BA357F3B390D}"/>
-          </ac:spMkLst>
-        </pc:spChg>
-        <pc:spChg chg="del">
-          <ac:chgData name="Graeme Foster" userId="0b42d6ed-b5a2-4a4e-8761-134bf435909a" providerId="ADAL" clId="{B412B967-33C4-4008-B8E3-CFFD49338A09}" dt="2023-04-16T07:28:56.343" v="3"/>
-          <ac:spMkLst>
-            <pc:docMk/>
-            <pc:sldMk cId="4048094195" sldId="259"/>
-            <ac:spMk id="24" creationId="{D36F3EEA-55D4-4677-80E7-92D00B8F343B}"/>
-          </ac:spMkLst>
-        </pc:spChg>
-        <pc:picChg chg="mod ord">
-          <ac:chgData name="Graeme Foster" userId="0b42d6ed-b5a2-4a4e-8761-134bf435909a" providerId="ADAL" clId="{B412B967-33C4-4008-B8E3-CFFD49338A09}" dt="2023-04-16T07:29:33.563" v="8" actId="26606"/>
-          <ac:picMkLst>
-            <pc:docMk/>
-            <pc:sldMk cId="4048094195" sldId="259"/>
-            <ac:picMk id="5" creationId="{0B66922D-F3D8-1E37-47A0-369D8546853E}"/>
-          </ac:picMkLst>
-        </pc:picChg>
-        <pc:picChg chg="del">
-          <ac:chgData name="Graeme Foster" userId="0b42d6ed-b5a2-4a4e-8761-134bf435909a" providerId="ADAL" clId="{B412B967-33C4-4008-B8E3-CFFD49338A09}" dt="2023-04-16T07:28:56.343" v="3"/>
-          <ac:picMkLst>
-            <pc:docMk/>
-            <pc:sldMk cId="4048094195" sldId="259"/>
-            <ac:picMk id="7" creationId="{DF19BAF3-7E20-4B9D-B544-BABAEEA1FA75}"/>
-          </ac:picMkLst>
-        </pc:picChg>
-        <pc:picChg chg="del">
-          <ac:chgData name="Graeme Foster" userId="0b42d6ed-b5a2-4a4e-8761-134bf435909a" providerId="ADAL" clId="{B412B967-33C4-4008-B8E3-CFFD49338A09}" dt="2023-04-16T07:28:56.343" v="3"/>
-          <ac:picMkLst>
-            <pc:docMk/>
-            <pc:sldMk cId="4048094195" sldId="259"/>
-            <ac:picMk id="8" creationId="{950648F4-ABCD-4DF0-8641-76CFB2354721}"/>
-          </ac:picMkLst>
-        </pc:picChg>
-        <pc:picChg chg="del">
-          <ac:chgData name="Graeme Foster" userId="0b42d6ed-b5a2-4a4e-8761-134bf435909a" providerId="ADAL" clId="{B412B967-33C4-4008-B8E3-CFFD49338A09}" dt="2023-04-16T07:28:56.343" v="3"/>
-          <ac:picMkLst>
-            <pc:docMk/>
-            <pc:sldMk cId="4048094195" sldId="259"/>
-            <ac:picMk id="16" creationId="{CF1EB4BD-9C7E-4AA3-9681-C7EB0DA6250B}"/>
-          </ac:picMkLst>
-        </pc:picChg>
-        <pc:picChg chg="del">
-          <ac:chgData name="Graeme Foster" userId="0b42d6ed-b5a2-4a4e-8761-134bf435909a" providerId="ADAL" clId="{B412B967-33C4-4008-B8E3-CFFD49338A09}" dt="2023-04-16T07:28:56.343" v="3"/>
-          <ac:picMkLst>
-            <pc:docMk/>
-            <pc:sldMk cId="4048094195" sldId="259"/>
-            <ac:picMk id="18" creationId="{94AAE3AA-3759-4D28-B0EF-575F25A5146C}"/>
-          </ac:picMkLst>
-        </pc:picChg>
-        <pc:cxnChg chg="add">
-          <ac:chgData name="Graeme Foster" userId="0b42d6ed-b5a2-4a4e-8761-134bf435909a" providerId="ADAL" clId="{B412B967-33C4-4008-B8E3-CFFD49338A09}" dt="2023-04-16T07:29:33.563" v="8" actId="26606"/>
-          <ac:cxnSpMkLst>
-            <pc:docMk/>
-            <pc:sldMk cId="4048094195" sldId="259"/>
-            <ac:cxnSpMk id="15" creationId="{F5486A9D-1265-4B57-91E6-68E666B978BC}"/>
-          </ac:cxnSpMkLst>
-        </pc:cxnChg>
-      </pc:sldChg>
-      <pc:sldChg chg="addSp delSp modSp mod setClrOvrMap delDesignElem">
-        <pc:chgData name="Graeme Foster" userId="0b42d6ed-b5a2-4a4e-8761-134bf435909a" providerId="ADAL" clId="{B412B967-33C4-4008-B8E3-CFFD49338A09}" dt="2023-04-17T00:51:14.479" v="1128" actId="26606"/>
-        <pc:sldMkLst>
-          <pc:docMk/>
-          <pc:sldMk cId="3759087649" sldId="260"/>
-        </pc:sldMkLst>
-        <pc:spChg chg="mod ord">
-          <ac:chgData name="Graeme Foster" userId="0b42d6ed-b5a2-4a4e-8761-134bf435909a" providerId="ADAL" clId="{B412B967-33C4-4008-B8E3-CFFD49338A09}" dt="2023-04-17T00:51:14.479" v="1128" actId="26606"/>
-          <ac:spMkLst>
-            <pc:docMk/>
-            <pc:sldMk cId="3759087649" sldId="260"/>
-            <ac:spMk id="2" creationId="{B35B027A-E6D3-4130-A816-464C7F8C0A4B}"/>
-          </ac:spMkLst>
-        </pc:spChg>
-        <pc:spChg chg="add">
-          <ac:chgData name="Graeme Foster" userId="0b42d6ed-b5a2-4a4e-8761-134bf435909a" providerId="ADAL" clId="{B412B967-33C4-4008-B8E3-CFFD49338A09}" dt="2023-04-17T00:51:14.479" v="1128" actId="26606"/>
-          <ac:spMkLst>
-            <pc:docMk/>
-            <pc:sldMk cId="3759087649" sldId="260"/>
-            <ac:spMk id="7" creationId="{4E4490D0-3672-446A-AC12-B4830333BDDD}"/>
-          </ac:spMkLst>
-        </pc:spChg>
-        <pc:spChg chg="add">
-          <ac:chgData name="Graeme Foster" userId="0b42d6ed-b5a2-4a4e-8761-134bf435909a" providerId="ADAL" clId="{B412B967-33C4-4008-B8E3-CFFD49338A09}" dt="2023-04-17T00:51:14.479" v="1128" actId="26606"/>
-          <ac:spMkLst>
-            <pc:docMk/>
-            <pc:sldMk cId="3759087649" sldId="260"/>
-            <ac:spMk id="8" creationId="{39CB82C2-DF65-4EC1-8280-F201D50F570B}"/>
-          </ac:spMkLst>
-        </pc:spChg>
-        <pc:spChg chg="add">
-          <ac:chgData name="Graeme Foster" userId="0b42d6ed-b5a2-4a4e-8761-134bf435909a" providerId="ADAL" clId="{B412B967-33C4-4008-B8E3-CFFD49338A09}" dt="2023-04-17T00:51:14.479" v="1128" actId="26606"/>
-          <ac:spMkLst>
-            <pc:docMk/>
-            <pc:sldMk cId="3759087649" sldId="260"/>
-            <ac:spMk id="11" creationId="{5A1B47C8-47A0-4A88-8830-6DEA3B5DE392}"/>
-          </ac:spMkLst>
-        </pc:spChg>
-        <pc:spChg chg="add">
-          <ac:chgData name="Graeme Foster" userId="0b42d6ed-b5a2-4a4e-8761-134bf435909a" providerId="ADAL" clId="{B412B967-33C4-4008-B8E3-CFFD49338A09}" dt="2023-04-17T00:51:14.479" v="1128" actId="26606"/>
-          <ac:spMkLst>
-            <pc:docMk/>
-            <pc:sldMk cId="3759087649" sldId="260"/>
-            <ac:spMk id="13" creationId="{984BBFDD-E720-4805-A9C8-129FBBF6DD70}"/>
-          </ac:spMkLst>
-        </pc:spChg>
-        <pc:spChg chg="del">
-          <ac:chgData name="Graeme Foster" userId="0b42d6ed-b5a2-4a4e-8761-134bf435909a" providerId="ADAL" clId="{B412B967-33C4-4008-B8E3-CFFD49338A09}" dt="2023-04-16T07:28:56.343" v="3"/>
-          <ac:spMkLst>
-            <pc:docMk/>
-            <pc:sldMk cId="3759087649" sldId="260"/>
-            <ac:spMk id="14" creationId="{4AC0CD9D-7610-4620-93B4-798CCD9AB581}"/>
-          </ac:spMkLst>
-        </pc:spChg>
-        <pc:spChg chg="add">
-          <ac:chgData name="Graeme Foster" userId="0b42d6ed-b5a2-4a4e-8761-134bf435909a" providerId="ADAL" clId="{B412B967-33C4-4008-B8E3-CFFD49338A09}" dt="2023-04-17T00:51:14.479" v="1128" actId="26606"/>
-          <ac:spMkLst>
-            <pc:docMk/>
-            <pc:sldMk cId="3759087649" sldId="260"/>
-            <ac:spMk id="15" creationId="{5AC4BE46-4A77-42FE-9D15-065CDB2F847C}"/>
-          </ac:spMkLst>
-        </pc:spChg>
-        <pc:spChg chg="del">
-          <ac:chgData name="Graeme Foster" userId="0b42d6ed-b5a2-4a4e-8761-134bf435909a" providerId="ADAL" clId="{B412B967-33C4-4008-B8E3-CFFD49338A09}" dt="2023-04-16T07:28:56.343" v="3"/>
-          <ac:spMkLst>
-            <pc:docMk/>
-            <pc:sldMk cId="3759087649" sldId="260"/>
-            <ac:spMk id="20" creationId="{DE4D62F9-188E-4530-84C2-24BDEE4BEB82}"/>
-          </ac:spMkLst>
-        </pc:spChg>
-        <pc:spChg chg="del">
-          <ac:chgData name="Graeme Foster" userId="0b42d6ed-b5a2-4a4e-8761-134bf435909a" providerId="ADAL" clId="{B412B967-33C4-4008-B8E3-CFFD49338A09}" dt="2023-04-16T07:28:56.343" v="3"/>
-          <ac:spMkLst>
-            <pc:docMk/>
-            <pc:sldMk cId="3759087649" sldId="260"/>
-            <ac:spMk id="22" creationId="{757B325C-3E35-45CF-9D07-3BCB281F3B9C}"/>
-          </ac:spMkLst>
-        </pc:spChg>
-        <pc:spChg chg="del">
-          <ac:chgData name="Graeme Foster" userId="0b42d6ed-b5a2-4a4e-8761-134bf435909a" providerId="ADAL" clId="{B412B967-33C4-4008-B8E3-CFFD49338A09}" dt="2023-04-16T07:28:56.343" v="3"/>
-          <ac:spMkLst>
-            <pc:docMk/>
-            <pc:sldMk cId="3759087649" sldId="260"/>
-            <ac:spMk id="24" creationId="{C24BEC42-AFF3-40D1-93A2-A27A42E1E23C}"/>
-          </ac:spMkLst>
-        </pc:spChg>
-        <pc:spChg chg="del">
-          <ac:chgData name="Graeme Foster" userId="0b42d6ed-b5a2-4a4e-8761-134bf435909a" providerId="ADAL" clId="{B412B967-33C4-4008-B8E3-CFFD49338A09}" dt="2023-04-16T07:28:56.343" v="3"/>
-          <ac:spMkLst>
-            <pc:docMk/>
-            <pc:sldMk cId="3759087649" sldId="260"/>
-            <ac:spMk id="26" creationId="{608F427C-1EC9-4280-9367-F2B3AA063E82}"/>
-          </ac:spMkLst>
-        </pc:spChg>
-        <pc:spChg chg="del">
-          <ac:chgData name="Graeme Foster" userId="0b42d6ed-b5a2-4a4e-8761-134bf435909a" providerId="ADAL" clId="{B412B967-33C4-4008-B8E3-CFFD49338A09}" dt="2023-04-16T07:28:56.343" v="3"/>
-          <ac:spMkLst>
-            <pc:docMk/>
-            <pc:sldMk cId="3759087649" sldId="260"/>
-            <ac:spMk id="28" creationId="{F98810A7-E114-447A-A7D6-69B27CFB5650}"/>
-          </ac:spMkLst>
-        </pc:spChg>
-        <pc:picChg chg="mod">
-          <ac:chgData name="Graeme Foster" userId="0b42d6ed-b5a2-4a4e-8761-134bf435909a" providerId="ADAL" clId="{B412B967-33C4-4008-B8E3-CFFD49338A09}" dt="2023-04-17T00:51:14.479" v="1128" actId="26606"/>
-          <ac:picMkLst>
-            <pc:docMk/>
-            <pc:sldMk cId="3759087649" sldId="260"/>
-            <ac:picMk id="5" creationId="{31613C9E-E783-40F9-BF2F-B1945CFFAA81}"/>
-          </ac:picMkLst>
-        </pc:picChg>
-        <pc:picChg chg="del">
-          <ac:chgData name="Graeme Foster" userId="0b42d6ed-b5a2-4a4e-8761-134bf435909a" providerId="ADAL" clId="{B412B967-33C4-4008-B8E3-CFFD49338A09}" dt="2023-04-16T07:28:56.343" v="3"/>
-          <ac:picMkLst>
-            <pc:docMk/>
-            <pc:sldMk cId="3759087649" sldId="260"/>
-            <ac:picMk id="10" creationId="{41B68C77-138E-4BF7-A276-BD0C78A4219F}"/>
-          </ac:picMkLst>
-        </pc:picChg>
-        <pc:picChg chg="del">
-          <ac:chgData name="Graeme Foster" userId="0b42d6ed-b5a2-4a4e-8761-134bf435909a" providerId="ADAL" clId="{B412B967-33C4-4008-B8E3-CFFD49338A09}" dt="2023-04-16T07:28:56.343" v="3"/>
-          <ac:picMkLst>
-            <pc:docMk/>
-            <pc:sldMk cId="3759087649" sldId="260"/>
-            <ac:picMk id="12" creationId="{7C268552-D473-46ED-B1B8-422042C4DEF1}"/>
-          </ac:picMkLst>
-        </pc:picChg>
-        <pc:picChg chg="del">
-          <ac:chgData name="Graeme Foster" userId="0b42d6ed-b5a2-4a4e-8761-134bf435909a" providerId="ADAL" clId="{B412B967-33C4-4008-B8E3-CFFD49338A09}" dt="2023-04-16T07:28:56.343" v="3"/>
-          <ac:picMkLst>
-            <pc:docMk/>
-            <pc:sldMk cId="3759087649" sldId="260"/>
-            <ac:picMk id="16" creationId="{B9238B3E-24AA-439A-B527-6C5DF6D72145}"/>
-          </ac:picMkLst>
-        </pc:picChg>
-        <pc:picChg chg="del">
-          <ac:chgData name="Graeme Foster" userId="0b42d6ed-b5a2-4a4e-8761-134bf435909a" providerId="ADAL" clId="{B412B967-33C4-4008-B8E3-CFFD49338A09}" dt="2023-04-16T07:28:56.343" v="3"/>
-          <ac:picMkLst>
-            <pc:docMk/>
-            <pc:sldMk cId="3759087649" sldId="260"/>
-            <ac:picMk id="18" creationId="{69F01145-BEA3-4CBF-AA21-10077B948CA8}"/>
-          </ac:picMkLst>
-        </pc:picChg>
-        <pc:cxnChg chg="add">
-          <ac:chgData name="Graeme Foster" userId="0b42d6ed-b5a2-4a4e-8761-134bf435909a" providerId="ADAL" clId="{B412B967-33C4-4008-B8E3-CFFD49338A09}" dt="2023-04-17T00:51:14.479" v="1128" actId="26606"/>
-          <ac:cxnSpMkLst>
-            <pc:docMk/>
-            <pc:sldMk cId="3759087649" sldId="260"/>
-            <ac:cxnSpMk id="9" creationId="{7E1D4427-852B-4B37-8E76-0E9F1810BA2A}"/>
-          </ac:cxnSpMkLst>
-        </pc:cxnChg>
-      </pc:sldChg>
-      <pc:sldChg chg="modSp mod">
-        <pc:chgData name="Graeme Foster" userId="0b42d6ed-b5a2-4a4e-8761-134bf435909a" providerId="ADAL" clId="{B412B967-33C4-4008-B8E3-CFFD49338A09}" dt="2023-04-16T07:36:35.406" v="343" actId="20577"/>
-        <pc:sldMkLst>
-          <pc:docMk/>
-          <pc:sldMk cId="3460909191" sldId="263"/>
-        </pc:sldMkLst>
-        <pc:spChg chg="mod">
-          <ac:chgData name="Graeme Foster" userId="0b42d6ed-b5a2-4a4e-8761-134bf435909a" providerId="ADAL" clId="{B412B967-33C4-4008-B8E3-CFFD49338A09}" dt="2023-04-16T07:36:35.406" v="343" actId="20577"/>
-          <ac:spMkLst>
-            <pc:docMk/>
-            <pc:sldMk cId="3460909191" sldId="263"/>
-            <ac:spMk id="2" creationId="{3E477F5F-B822-56CA-003E-54EC2E80119F}"/>
-          </ac:spMkLst>
-        </pc:spChg>
-        <pc:spChg chg="mod">
-          <ac:chgData name="Graeme Foster" userId="0b42d6ed-b5a2-4a4e-8761-134bf435909a" providerId="ADAL" clId="{B412B967-33C4-4008-B8E3-CFFD49338A09}" dt="2023-04-16T07:36:32.711" v="340" actId="21"/>
-          <ac:spMkLst>
-            <pc:docMk/>
-            <pc:sldMk cId="3460909191" sldId="263"/>
-            <ac:spMk id="4" creationId="{A3B18AF2-32B2-ACBE-472B-7114A054F6BC}"/>
-          </ac:spMkLst>
-        </pc:spChg>
-      </pc:sldChg>
-      <pc:sldChg chg="modSp mod">
-        <pc:chgData name="Graeme Foster" userId="0b42d6ed-b5a2-4a4e-8761-134bf435909a" providerId="ADAL" clId="{B412B967-33C4-4008-B8E3-CFFD49338A09}" dt="2023-04-16T07:38:35.042" v="440" actId="113"/>
-        <pc:sldMkLst>
-          <pc:docMk/>
-          <pc:sldMk cId="1437943923" sldId="264"/>
-        </pc:sldMkLst>
-        <pc:spChg chg="mod">
-          <ac:chgData name="Graeme Foster" userId="0b42d6ed-b5a2-4a4e-8761-134bf435909a" providerId="ADAL" clId="{B412B967-33C4-4008-B8E3-CFFD49338A09}" dt="2023-04-16T07:29:10.868" v="6"/>
-          <ac:spMkLst>
-            <pc:docMk/>
-            <pc:sldMk cId="1437943923" sldId="264"/>
-            <ac:spMk id="2" creationId="{A5DDA0A9-558F-1553-270E-77C8908D3230}"/>
-          </ac:spMkLst>
-        </pc:spChg>
-        <pc:spChg chg="mod">
-          <ac:chgData name="Graeme Foster" userId="0b42d6ed-b5a2-4a4e-8761-134bf435909a" providerId="ADAL" clId="{B412B967-33C4-4008-B8E3-CFFD49338A09}" dt="2023-04-16T07:31:16.798" v="88" actId="207"/>
-          <ac:spMkLst>
-            <pc:docMk/>
-            <pc:sldMk cId="1437943923" sldId="264"/>
-            <ac:spMk id="6" creationId="{176AF8F4-6D58-6C89-F038-61C8FA928412}"/>
-          </ac:spMkLst>
-        </pc:spChg>
-        <pc:spChg chg="mod">
-          <ac:chgData name="Graeme Foster" userId="0b42d6ed-b5a2-4a4e-8761-134bf435909a" providerId="ADAL" clId="{B412B967-33C4-4008-B8E3-CFFD49338A09}" dt="2023-04-16T07:38:35.042" v="440" actId="113"/>
-          <ac:spMkLst>
-            <pc:docMk/>
-            <pc:sldMk cId="1437943923" sldId="264"/>
-            <ac:spMk id="7" creationId="{2AE19D12-738F-0F7F-DAFC-A14C50C6ECE9}"/>
-          </ac:spMkLst>
-        </pc:spChg>
-      </pc:sldChg>
-      <pc:sldChg chg="modSp mod">
-        <pc:chgData name="Graeme Foster" userId="0b42d6ed-b5a2-4a4e-8761-134bf435909a" providerId="ADAL" clId="{B412B967-33C4-4008-B8E3-CFFD49338A09}" dt="2023-04-16T07:32:07.692" v="97" actId="1076"/>
-        <pc:sldMkLst>
-          <pc:docMk/>
-          <pc:sldMk cId="599035346" sldId="267"/>
-        </pc:sldMkLst>
-        <pc:spChg chg="mod">
-          <ac:chgData name="Graeme Foster" userId="0b42d6ed-b5a2-4a4e-8761-134bf435909a" providerId="ADAL" clId="{B412B967-33C4-4008-B8E3-CFFD49338A09}" dt="2023-04-16T07:29:10.868" v="6"/>
-          <ac:spMkLst>
-            <pc:docMk/>
-            <pc:sldMk cId="599035346" sldId="267"/>
-            <ac:spMk id="2" creationId="{A254591A-EDBB-70C9-5743-21B2091F1317}"/>
-          </ac:spMkLst>
-        </pc:spChg>
-        <pc:picChg chg="mod">
-          <ac:chgData name="Graeme Foster" userId="0b42d6ed-b5a2-4a4e-8761-134bf435909a" providerId="ADAL" clId="{B412B967-33C4-4008-B8E3-CFFD49338A09}" dt="2023-04-16T07:32:07.692" v="97" actId="1076"/>
-          <ac:picMkLst>
-            <pc:docMk/>
-            <pc:sldMk cId="599035346" sldId="267"/>
-            <ac:picMk id="5" creationId="{52465FF7-7FE8-0CC0-7C77-B3262DA6FDF4}"/>
-          </ac:picMkLst>
-        </pc:picChg>
-      </pc:sldChg>
-      <pc:sldChg chg="modSp mod">
-        <pc:chgData name="Graeme Foster" userId="0b42d6ed-b5a2-4a4e-8761-134bf435909a" providerId="ADAL" clId="{B412B967-33C4-4008-B8E3-CFFD49338A09}" dt="2023-04-16T07:34:17.120" v="197" actId="20577"/>
-        <pc:sldMkLst>
-          <pc:docMk/>
-          <pc:sldMk cId="4294085421" sldId="268"/>
-        </pc:sldMkLst>
-        <pc:spChg chg="mod">
-          <ac:chgData name="Graeme Foster" userId="0b42d6ed-b5a2-4a4e-8761-134bf435909a" providerId="ADAL" clId="{B412B967-33C4-4008-B8E3-CFFD49338A09}" dt="2023-04-16T07:34:17.120" v="197" actId="20577"/>
-          <ac:spMkLst>
-            <pc:docMk/>
-            <pc:sldMk cId="4294085421" sldId="268"/>
-            <ac:spMk id="2" creationId="{A5DDA0A9-558F-1553-270E-77C8908D3230}"/>
-          </ac:spMkLst>
-        </pc:spChg>
-        <pc:spChg chg="mod">
-          <ac:chgData name="Graeme Foster" userId="0b42d6ed-b5a2-4a4e-8761-134bf435909a" providerId="ADAL" clId="{B412B967-33C4-4008-B8E3-CFFD49338A09}" dt="2023-04-16T07:34:06.760" v="194" actId="20577"/>
-          <ac:spMkLst>
-            <pc:docMk/>
-            <pc:sldMk cId="4294085421" sldId="268"/>
-            <ac:spMk id="3" creationId="{F14D38CC-7E8C-EA6F-CB0F-5DE122D17C01}"/>
-          </ac:spMkLst>
-        </pc:spChg>
-      </pc:sldChg>
-      <pc:sldChg chg="modSp mod">
-        <pc:chgData name="Graeme Foster" userId="0b42d6ed-b5a2-4a4e-8761-134bf435909a" providerId="ADAL" clId="{B412B967-33C4-4008-B8E3-CFFD49338A09}" dt="2023-04-18T05:23:22.466" v="1205" actId="20577"/>
-        <pc:sldMkLst>
-          <pc:docMk/>
-          <pc:sldMk cId="3286575950" sldId="269"/>
-        </pc:sldMkLst>
-        <pc:spChg chg="mod">
-          <ac:chgData name="Graeme Foster" userId="0b42d6ed-b5a2-4a4e-8761-134bf435909a" providerId="ADAL" clId="{B412B967-33C4-4008-B8E3-CFFD49338A09}" dt="2023-04-16T07:29:10.868" v="6"/>
-          <ac:spMkLst>
-            <pc:docMk/>
-            <pc:sldMk cId="3286575950" sldId="269"/>
-            <ac:spMk id="2" creationId="{A5DDA0A9-558F-1553-270E-77C8908D3230}"/>
-          </ac:spMkLst>
-        </pc:spChg>
-        <pc:spChg chg="mod">
-          <ac:chgData name="Graeme Foster" userId="0b42d6ed-b5a2-4a4e-8761-134bf435909a" providerId="ADAL" clId="{B412B967-33C4-4008-B8E3-CFFD49338A09}" dt="2023-04-18T05:23:22.466" v="1205" actId="20577"/>
-          <ac:spMkLst>
-            <pc:docMk/>
-            <pc:sldMk cId="3286575950" sldId="269"/>
-            <ac:spMk id="3" creationId="{F14D38CC-7E8C-EA6F-CB0F-5DE122D17C01}"/>
-          </ac:spMkLst>
-        </pc:spChg>
-      </pc:sldChg>
-      <pc:sldChg chg="modSp mod">
-        <pc:chgData name="Graeme Foster" userId="0b42d6ed-b5a2-4a4e-8761-134bf435909a" providerId="ADAL" clId="{B412B967-33C4-4008-B8E3-CFFD49338A09}" dt="2023-04-16T07:38:31.981" v="439" actId="113"/>
-        <pc:sldMkLst>
-          <pc:docMk/>
-          <pc:sldMk cId="530886633" sldId="270"/>
-        </pc:sldMkLst>
-        <pc:spChg chg="mod">
-          <ac:chgData name="Graeme Foster" userId="0b42d6ed-b5a2-4a4e-8761-134bf435909a" providerId="ADAL" clId="{B412B967-33C4-4008-B8E3-CFFD49338A09}" dt="2023-04-16T07:29:10.868" v="6"/>
-          <ac:spMkLst>
-            <pc:docMk/>
-            <pc:sldMk cId="530886633" sldId="270"/>
-            <ac:spMk id="2" creationId="{A5DDA0A9-558F-1553-270E-77C8908D3230}"/>
-          </ac:spMkLst>
-        </pc:spChg>
-        <pc:spChg chg="mod">
-          <ac:chgData name="Graeme Foster" userId="0b42d6ed-b5a2-4a4e-8761-134bf435909a" providerId="ADAL" clId="{B412B967-33C4-4008-B8E3-CFFD49338A09}" dt="2023-04-16T07:38:31.981" v="439" actId="113"/>
-          <ac:spMkLst>
-            <pc:docMk/>
-            <pc:sldMk cId="530886633" sldId="270"/>
-            <ac:spMk id="3" creationId="{55FD833E-B248-57BC-6270-46E49D0345E7}"/>
-          </ac:spMkLst>
-        </pc:spChg>
-        <pc:spChg chg="mod">
-          <ac:chgData name="Graeme Foster" userId="0b42d6ed-b5a2-4a4e-8761-134bf435909a" providerId="ADAL" clId="{B412B967-33C4-4008-B8E3-CFFD49338A09}" dt="2023-04-16T07:31:28.764" v="90" actId="2085"/>
-          <ac:spMkLst>
-            <pc:docMk/>
-            <pc:sldMk cId="530886633" sldId="270"/>
-            <ac:spMk id="4" creationId="{B4F98D5D-E5B3-913A-1F00-CC4BA5DC2295}"/>
-          </ac:spMkLst>
-        </pc:spChg>
-      </pc:sldChg>
-      <pc:sldChg chg="modSp mod">
-        <pc:chgData name="Graeme Foster" userId="0b42d6ed-b5a2-4a4e-8761-134bf435909a" providerId="ADAL" clId="{B412B967-33C4-4008-B8E3-CFFD49338A09}" dt="2023-04-16T07:39:42.187" v="514" actId="6549"/>
-        <pc:sldMkLst>
-          <pc:docMk/>
-          <pc:sldMk cId="784590009" sldId="271"/>
-        </pc:sldMkLst>
-        <pc:spChg chg="mod">
-          <ac:chgData name="Graeme Foster" userId="0b42d6ed-b5a2-4a4e-8761-134bf435909a" providerId="ADAL" clId="{B412B967-33C4-4008-B8E3-CFFD49338A09}" dt="2023-04-16T07:29:10.868" v="6"/>
-          <ac:spMkLst>
-            <pc:docMk/>
-            <pc:sldMk cId="784590009" sldId="271"/>
-            <ac:spMk id="2" creationId="{A5DDA0A9-558F-1553-270E-77C8908D3230}"/>
-          </ac:spMkLst>
-        </pc:spChg>
-        <pc:spChg chg="mod">
-          <ac:chgData name="Graeme Foster" userId="0b42d6ed-b5a2-4a4e-8761-134bf435909a" providerId="ADAL" clId="{B412B967-33C4-4008-B8E3-CFFD49338A09}" dt="2023-04-16T07:31:42.837" v="94" actId="2085"/>
-          <ac:spMkLst>
-            <pc:docMk/>
-            <pc:sldMk cId="784590009" sldId="271"/>
-            <ac:spMk id="3" creationId="{2E708B75-4C30-765F-55DE-4FEAF74E611A}"/>
-          </ac:spMkLst>
-        </pc:spChg>
-        <pc:spChg chg="mod">
-          <ac:chgData name="Graeme Foster" userId="0b42d6ed-b5a2-4a4e-8761-134bf435909a" providerId="ADAL" clId="{B412B967-33C4-4008-B8E3-CFFD49338A09}" dt="2023-04-16T07:39:42.187" v="514" actId="6549"/>
-          <ac:spMkLst>
-            <pc:docMk/>
-            <pc:sldMk cId="784590009" sldId="271"/>
-            <ac:spMk id="8" creationId="{424CC210-4B1F-7A31-B31D-327D4796D79D}"/>
-          </ac:spMkLst>
-        </pc:spChg>
-      </pc:sldChg>
-      <pc:sldChg chg="addSp modSp mod">
-        <pc:chgData name="Graeme Foster" userId="0b42d6ed-b5a2-4a4e-8761-134bf435909a" providerId="ADAL" clId="{B412B967-33C4-4008-B8E3-CFFD49338A09}" dt="2023-04-18T05:25:46.588" v="1300" actId="1076"/>
-        <pc:sldMkLst>
-          <pc:docMk/>
-          <pc:sldMk cId="1561210972" sldId="272"/>
-        </pc:sldMkLst>
-        <pc:spChg chg="mod">
-          <ac:chgData name="Graeme Foster" userId="0b42d6ed-b5a2-4a4e-8761-134bf435909a" providerId="ADAL" clId="{B412B967-33C4-4008-B8E3-CFFD49338A09}" dt="2023-04-16T07:29:10.868" v="6"/>
-          <ac:spMkLst>
-            <pc:docMk/>
-            <pc:sldMk cId="1561210972" sldId="272"/>
-            <ac:spMk id="2" creationId="{A5DDA0A9-558F-1553-270E-77C8908D3230}"/>
-          </ac:spMkLst>
-        </pc:spChg>
-        <pc:spChg chg="mod">
-          <ac:chgData name="Graeme Foster" userId="0b42d6ed-b5a2-4a4e-8761-134bf435909a" providerId="ADAL" clId="{B412B967-33C4-4008-B8E3-CFFD49338A09}" dt="2023-04-16T07:31:48.491" v="96" actId="2085"/>
-          <ac:spMkLst>
-            <pc:docMk/>
-            <pc:sldMk cId="1561210972" sldId="272"/>
-            <ac:spMk id="3" creationId="{D0B90953-C86C-A401-0F11-92A578E672EF}"/>
-          </ac:spMkLst>
-        </pc:spChg>
-        <pc:spChg chg="add mod">
-          <ac:chgData name="Graeme Foster" userId="0b42d6ed-b5a2-4a4e-8761-134bf435909a" providerId="ADAL" clId="{B412B967-33C4-4008-B8E3-CFFD49338A09}" dt="2023-04-18T05:25:46.588" v="1300" actId="1076"/>
-          <ac:spMkLst>
-            <pc:docMk/>
-            <pc:sldMk cId="1561210972" sldId="272"/>
-            <ac:spMk id="5" creationId="{F65DB0E5-7BAB-4D78-1D1E-510B08629FCF}"/>
-          </ac:spMkLst>
-        </pc:spChg>
-        <pc:spChg chg="mod">
-          <ac:chgData name="Graeme Foster" userId="0b42d6ed-b5a2-4a4e-8761-134bf435909a" providerId="ADAL" clId="{B412B967-33C4-4008-B8E3-CFFD49338A09}" dt="2023-04-16T07:39:58.974" v="525" actId="113"/>
-          <ac:spMkLst>
-            <pc:docMk/>
-            <pc:sldMk cId="1561210972" sldId="272"/>
-            <ac:spMk id="7" creationId="{BDD10F9E-F76F-3FE1-0EBA-E00DE5C32C77}"/>
-          </ac:spMkLst>
-        </pc:spChg>
-      </pc:sldChg>
-      <pc:sldChg chg="modSp mod">
-        <pc:chgData name="Graeme Foster" userId="0b42d6ed-b5a2-4a4e-8761-134bf435909a" providerId="ADAL" clId="{B412B967-33C4-4008-B8E3-CFFD49338A09}" dt="2023-04-16T07:39:51.169" v="522" actId="20577"/>
-        <pc:sldMkLst>
-          <pc:docMk/>
-          <pc:sldMk cId="870143100" sldId="273"/>
-        </pc:sldMkLst>
-        <pc:spChg chg="mod">
-          <ac:chgData name="Graeme Foster" userId="0b42d6ed-b5a2-4a4e-8761-134bf435909a" providerId="ADAL" clId="{B412B967-33C4-4008-B8E3-CFFD49338A09}" dt="2023-04-16T07:29:10.868" v="6"/>
-          <ac:spMkLst>
-            <pc:docMk/>
-            <pc:sldMk cId="870143100" sldId="273"/>
-            <ac:spMk id="2" creationId="{A5DDA0A9-558F-1553-270E-77C8908D3230}"/>
-          </ac:spMkLst>
-        </pc:spChg>
-        <pc:spChg chg="mod">
-          <ac:chgData name="Graeme Foster" userId="0b42d6ed-b5a2-4a4e-8761-134bf435909a" providerId="ADAL" clId="{B412B967-33C4-4008-B8E3-CFFD49338A09}" dt="2023-04-16T07:31:35.790" v="92" actId="2085"/>
-          <ac:spMkLst>
-            <pc:docMk/>
-            <pc:sldMk cId="870143100" sldId="273"/>
-            <ac:spMk id="3" creationId="{992A0174-10DD-6FFB-FAD4-CF909A89215C}"/>
-          </ac:spMkLst>
-        </pc:spChg>
-        <pc:spChg chg="mod">
-          <ac:chgData name="Graeme Foster" userId="0b42d6ed-b5a2-4a4e-8761-134bf435909a" providerId="ADAL" clId="{B412B967-33C4-4008-B8E3-CFFD49338A09}" dt="2023-04-16T07:39:51.169" v="522" actId="20577"/>
-          <ac:spMkLst>
-            <pc:docMk/>
-            <pc:sldMk cId="870143100" sldId="273"/>
-            <ac:spMk id="8" creationId="{424CC210-4B1F-7A31-B31D-327D4796D79D}"/>
-          </ac:spMkLst>
-        </pc:spChg>
-      </pc:sldChg>
-      <pc:sldChg chg="modSp mod ord">
-        <pc:chgData name="Graeme Foster" userId="0b42d6ed-b5a2-4a4e-8761-134bf435909a" providerId="ADAL" clId="{B412B967-33C4-4008-B8E3-CFFD49338A09}" dt="2023-04-17T09:45:00.241" v="1203"/>
-        <pc:sldMkLst>
-          <pc:docMk/>
-          <pc:sldMk cId="1145865439" sldId="274"/>
-        </pc:sldMkLst>
-        <pc:spChg chg="mod">
-          <ac:chgData name="Graeme Foster" userId="0b42d6ed-b5a2-4a4e-8761-134bf435909a" providerId="ADAL" clId="{B412B967-33C4-4008-B8E3-CFFD49338A09}" dt="2023-04-16T07:45:10.292" v="931" actId="20577"/>
-          <ac:spMkLst>
-            <pc:docMk/>
-            <pc:sldMk cId="1145865439" sldId="274"/>
-            <ac:spMk id="2" creationId="{A5DDA0A9-558F-1553-270E-77C8908D3230}"/>
-          </ac:spMkLst>
-        </pc:spChg>
-        <pc:spChg chg="mod">
-          <ac:chgData name="Graeme Foster" userId="0b42d6ed-b5a2-4a4e-8761-134bf435909a" providerId="ADAL" clId="{B412B967-33C4-4008-B8E3-CFFD49338A09}" dt="2023-04-16T07:46:00.904" v="1116" actId="20577"/>
-          <ac:spMkLst>
-            <pc:docMk/>
-            <pc:sldMk cId="1145865439" sldId="274"/>
-            <ac:spMk id="3" creationId="{F14D38CC-7E8C-EA6F-CB0F-5DE122D17C01}"/>
-          </ac:spMkLst>
-        </pc:spChg>
-      </pc:sldChg>
-      <pc:sldChg chg="modSp mod">
-        <pc:chgData name="Graeme Foster" userId="0b42d6ed-b5a2-4a4e-8761-134bf435909a" providerId="ADAL" clId="{B412B967-33C4-4008-B8E3-CFFD49338A09}" dt="2023-04-16T07:44:39.160" v="888" actId="20577"/>
-        <pc:sldMkLst>
-          <pc:docMk/>
-          <pc:sldMk cId="869986789" sldId="276"/>
-        </pc:sldMkLst>
-        <pc:spChg chg="mod">
-          <ac:chgData name="Graeme Foster" userId="0b42d6ed-b5a2-4a4e-8761-134bf435909a" providerId="ADAL" clId="{B412B967-33C4-4008-B8E3-CFFD49338A09}" dt="2023-04-16T07:42:25.982" v="559" actId="20577"/>
-          <ac:spMkLst>
-            <pc:docMk/>
-            <pc:sldMk cId="869986789" sldId="276"/>
-            <ac:spMk id="2" creationId="{A5DDA0A9-558F-1553-270E-77C8908D3230}"/>
-          </ac:spMkLst>
-        </pc:spChg>
-        <pc:spChg chg="mod">
-          <ac:chgData name="Graeme Foster" userId="0b42d6ed-b5a2-4a4e-8761-134bf435909a" providerId="ADAL" clId="{B412B967-33C4-4008-B8E3-CFFD49338A09}" dt="2023-04-16T07:44:39.160" v="888" actId="20577"/>
-          <ac:spMkLst>
-            <pc:docMk/>
-            <pc:sldMk cId="869986789" sldId="276"/>
-            <ac:spMk id="3" creationId="{F14D38CC-7E8C-EA6F-CB0F-5DE122D17C01}"/>
-          </ac:spMkLst>
-        </pc:spChg>
-      </pc:sldChg>
-      <pc:sldChg chg="modSp mod">
-        <pc:chgData name="Graeme Foster" userId="0b42d6ed-b5a2-4a4e-8761-134bf435909a" providerId="ADAL" clId="{B412B967-33C4-4008-B8E3-CFFD49338A09}" dt="2023-04-16T07:41:39.158" v="550" actId="20577"/>
-        <pc:sldMkLst>
-          <pc:docMk/>
-          <pc:sldMk cId="1288903722" sldId="277"/>
-        </pc:sldMkLst>
-        <pc:spChg chg="mod">
-          <ac:chgData name="Graeme Foster" userId="0b42d6ed-b5a2-4a4e-8761-134bf435909a" providerId="ADAL" clId="{B412B967-33C4-4008-B8E3-CFFD49338A09}" dt="2023-04-16T07:29:10.868" v="6"/>
-          <ac:spMkLst>
-            <pc:docMk/>
-            <pc:sldMk cId="1288903722" sldId="277"/>
-            <ac:spMk id="2" creationId="{A5DDA0A9-558F-1553-270E-77C8908D3230}"/>
-          </ac:spMkLst>
-        </pc:spChg>
-        <pc:spChg chg="mod">
-          <ac:chgData name="Graeme Foster" userId="0b42d6ed-b5a2-4a4e-8761-134bf435909a" providerId="ADAL" clId="{B412B967-33C4-4008-B8E3-CFFD49338A09}" dt="2023-04-16T07:41:39.158" v="550" actId="20577"/>
-          <ac:spMkLst>
-            <pc:docMk/>
-            <pc:sldMk cId="1288903722" sldId="277"/>
-            <ac:spMk id="3" creationId="{F14D38CC-7E8C-EA6F-CB0F-5DE122D17C01}"/>
-          </ac:spMkLst>
-        </pc:spChg>
-      </pc:sldChg>
-      <pc:sldChg chg="modSp add mod">
-        <pc:chgData name="Graeme Foster" userId="0b42d6ed-b5a2-4a4e-8761-134bf435909a" providerId="ADAL" clId="{B412B967-33C4-4008-B8E3-CFFD49338A09}" dt="2023-04-17T09:43:58.114" v="1199" actId="20577"/>
-        <pc:sldMkLst>
-          <pc:docMk/>
-          <pc:sldMk cId="3308280083" sldId="278"/>
-        </pc:sldMkLst>
-        <pc:spChg chg="mod">
-          <ac:chgData name="Graeme Foster" userId="0b42d6ed-b5a2-4a4e-8761-134bf435909a" providerId="ADAL" clId="{B412B967-33C4-4008-B8E3-CFFD49338A09}" dt="2023-04-17T09:43:06.076" v="1140" actId="20577"/>
-          <ac:spMkLst>
-            <pc:docMk/>
-            <pc:sldMk cId="3308280083" sldId="278"/>
-            <ac:spMk id="2" creationId="{A5DDA0A9-558F-1553-270E-77C8908D3230}"/>
-          </ac:spMkLst>
-        </pc:spChg>
-        <pc:spChg chg="mod">
-          <ac:chgData name="Graeme Foster" userId="0b42d6ed-b5a2-4a4e-8761-134bf435909a" providerId="ADAL" clId="{B412B967-33C4-4008-B8E3-CFFD49338A09}" dt="2023-04-17T09:43:58.114" v="1199" actId="20577"/>
-          <ac:spMkLst>
-            <pc:docMk/>
-            <pc:sldMk cId="3308280083" sldId="278"/>
-            <ac:spMk id="3" creationId="{F14D38CC-7E8C-EA6F-CB0F-5DE122D17C01}"/>
-          </ac:spMkLst>
-        </pc:spChg>
-      </pc:sldChg>
-      <pc:sldChg chg="modSp add del mod">
-        <pc:chgData name="Graeme Foster" userId="0b42d6ed-b5a2-4a4e-8761-134bf435909a" providerId="ADAL" clId="{B412B967-33C4-4008-B8E3-CFFD49338A09}" dt="2023-04-16T07:34:32.669" v="215" actId="47"/>
-        <pc:sldMkLst>
-          <pc:docMk/>
-          <pc:sldMk cId="327568025" sldId="279"/>
-        </pc:sldMkLst>
-        <pc:spChg chg="mod">
-          <ac:chgData name="Graeme Foster" userId="0b42d6ed-b5a2-4a4e-8761-134bf435909a" providerId="ADAL" clId="{B412B967-33C4-4008-B8E3-CFFD49338A09}" dt="2023-04-16T07:34:25.143" v="203" actId="20577"/>
-          <ac:spMkLst>
-            <pc:docMk/>
-            <pc:sldMk cId="327568025" sldId="279"/>
-            <ac:spMk id="2" creationId="{A5DDA0A9-558F-1553-270E-77C8908D3230}"/>
-          </ac:spMkLst>
-        </pc:spChg>
-      </pc:sldChg>
-      <pc:sldChg chg="add">
-        <pc:chgData name="Graeme Foster" userId="0b42d6ed-b5a2-4a4e-8761-134bf435909a" providerId="ADAL" clId="{B412B967-33C4-4008-B8E3-CFFD49338A09}" dt="2023-04-16T07:42:20.156" v="551"/>
-        <pc:sldMkLst>
-          <pc:docMk/>
-          <pc:sldMk cId="3675167918" sldId="279"/>
         </pc:sldMkLst>
       </pc:sldChg>
     </pc:docChg>
@@ -3162,7 +3162,7 @@
           <a:p>
             <a:fld id="{884D78EC-8AAD-4A77-9981-0681CF411A0C}" type="datetimeFigureOut">
               <a:rPr lang="en-AU" smtClean="0"/>
-              <a:t>18/04/2023</a:t>
+              <a:t>28/02/2024</a:t>
             </a:fld>
             <a:endParaRPr lang="en-AU"/>
           </a:p>
@@ -5777,7 +5777,7 @@
           <a:p>
             <a:fld id="{3C04E684-10F4-4CC3-A0B9-F03AA7BE37CF}" type="datetimeFigureOut">
               <a:rPr lang="en-US" smtClean="0"/>
-              <a:t>4/18/2023</a:t>
+              <a:t>2/28/2024</a:t>
             </a:fld>
             <a:endParaRPr lang="en-US"/>
           </a:p>
@@ -8267,7 +8267,7 @@
           <a:p>
             <a:fld id="{3C04E684-10F4-4CC3-A0B9-F03AA7BE37CF}" type="datetimeFigureOut">
               <a:rPr lang="en-US" smtClean="0"/>
-              <a:t>4/18/2023</a:t>
+              <a:t>2/28/2024</a:t>
             </a:fld>
             <a:endParaRPr lang="en-US"/>
           </a:p>
@@ -8465,7 +8465,7 @@
           <a:p>
             <a:fld id="{3C04E684-10F4-4CC3-A0B9-F03AA7BE37CF}" type="datetimeFigureOut">
               <a:rPr lang="en-US" smtClean="0"/>
-              <a:t>4/18/2023</a:t>
+              <a:t>2/28/2024</a:t>
             </a:fld>
             <a:endParaRPr lang="en-US"/>
           </a:p>
@@ -8673,7 +8673,7 @@
           <a:p>
             <a:fld id="{3C04E684-10F4-4CC3-A0B9-F03AA7BE37CF}" type="datetimeFigureOut">
               <a:rPr lang="en-US" smtClean="0"/>
-              <a:t>4/18/2023</a:t>
+              <a:t>2/28/2024</a:t>
             </a:fld>
             <a:endParaRPr lang="en-US"/>
           </a:p>
@@ -8972,7 +8972,7 @@
           <a:p>
             <a:fld id="{3C04E684-10F4-4CC3-A0B9-F03AA7BE37CF}" type="datetimeFigureOut">
               <a:rPr lang="en-US" smtClean="0"/>
-              <a:t>4/18/2023</a:t>
+              <a:t>2/28/2024</a:t>
             </a:fld>
             <a:endParaRPr lang="en-US"/>
           </a:p>
@@ -9184,7 +9184,7 @@
           <a:p>
             <a:fld id="{3C04E684-10F4-4CC3-A0B9-F03AA7BE37CF}" type="datetimeFigureOut">
               <a:rPr lang="en-US" smtClean="0"/>
-              <a:t>4/18/2023</a:t>
+              <a:t>2/28/2024</a:t>
             </a:fld>
             <a:endParaRPr lang="en-US"/>
           </a:p>
@@ -9527,7 +9527,7 @@
           <a:p>
             <a:fld id="{3C04E684-10F4-4CC3-A0B9-F03AA7BE37CF}" type="datetimeFigureOut">
               <a:rPr lang="en-US" smtClean="0"/>
-              <a:t>4/18/2023</a:t>
+              <a:t>2/28/2024</a:t>
             </a:fld>
             <a:endParaRPr lang="en-US"/>
           </a:p>
@@ -9802,7 +9802,7 @@
           <a:p>
             <a:fld id="{3C04E684-10F4-4CC3-A0B9-F03AA7BE37CF}" type="datetimeFigureOut">
               <a:rPr lang="en-US" smtClean="0"/>
-              <a:t>4/18/2023</a:t>
+              <a:t>2/28/2024</a:t>
             </a:fld>
             <a:endParaRPr lang="en-US"/>
           </a:p>
@@ -10181,7 +10181,7 @@
           <a:p>
             <a:fld id="{3C04E684-10F4-4CC3-A0B9-F03AA7BE37CF}" type="datetimeFigureOut">
               <a:rPr lang="en-US" smtClean="0"/>
-              <a:t>4/18/2023</a:t>
+              <a:t>2/28/2024</a:t>
             </a:fld>
             <a:endParaRPr lang="en-US"/>
           </a:p>
@@ -10299,7 +10299,7 @@
           <a:p>
             <a:fld id="{3C04E684-10F4-4CC3-A0B9-F03AA7BE37CF}" type="datetimeFigureOut">
               <a:rPr lang="en-US" smtClean="0"/>
-              <a:t>4/18/2023</a:t>
+              <a:t>2/28/2024</a:t>
             </a:fld>
             <a:endParaRPr lang="en-US"/>
           </a:p>
@@ -10470,7 +10470,7 @@
           <a:p>
             <a:fld id="{3C04E684-10F4-4CC3-A0B9-F03AA7BE37CF}" type="datetimeFigureOut">
               <a:rPr lang="en-US" smtClean="0"/>
-              <a:t>4/18/2023</a:t>
+              <a:t>2/28/2024</a:t>
             </a:fld>
             <a:endParaRPr lang="en-US"/>
           </a:p>
@@ -11203,7 +11203,7 @@
           <a:p>
             <a:fld id="{3C04E684-10F4-4CC3-A0B9-F03AA7BE37CF}" type="datetimeFigureOut">
               <a:rPr lang="en-US" smtClean="0"/>
-              <a:t>4/18/2023</a:t>
+              <a:t>2/28/2024</a:t>
             </a:fld>
             <a:endParaRPr lang="en-US"/>
           </a:p>
@@ -11561,7 +11561,7 @@
           <a:p>
             <a:fld id="{3C04E684-10F4-4CC3-A0B9-F03AA7BE37CF}" type="datetimeFigureOut">
               <a:rPr lang="en-US" smtClean="0"/>
-              <a:t>4/18/2023</a:t>
+              <a:t>2/28/2024</a:t>
             </a:fld>
             <a:endParaRPr lang="en-US"/>
           </a:p>
@@ -11943,7 +11943,7 @@
           <a:p>
             <a:fld id="{3C04E684-10F4-4CC3-A0B9-F03AA7BE37CF}" type="datetimeFigureOut">
               <a:rPr lang="en-US" smtClean="0"/>
-              <a:t>4/18/2023</a:t>
+              <a:t>2/28/2024</a:t>
             </a:fld>
             <a:endParaRPr lang="en-US"/>
           </a:p>
@@ -12113,7 +12113,7 @@
           <a:p>
             <a:fld id="{3C04E684-10F4-4CC3-A0B9-F03AA7BE37CF}" type="datetimeFigureOut">
               <a:rPr lang="en-US" smtClean="0"/>
-              <a:t>4/18/2023</a:t>
+              <a:t>2/28/2024</a:t>
             </a:fld>
             <a:endParaRPr lang="en-US"/>
           </a:p>
@@ -12369,7 +12369,7 @@
           <a:p>
             <a:fld id="{3C04E684-10F4-4CC3-A0B9-F03AA7BE37CF}" type="datetimeFigureOut">
               <a:rPr lang="en-US" smtClean="0"/>
-              <a:t>4/18/2023</a:t>
+              <a:t>2/28/2024</a:t>
             </a:fld>
             <a:endParaRPr lang="en-US"/>
           </a:p>
@@ -12999,7 +12999,7 @@
           <a:p>
             <a:fld id="{3C04E684-10F4-4CC3-A0B9-F03AA7BE37CF}" type="datetimeFigureOut">
               <a:rPr lang="en-US" smtClean="0"/>
-              <a:t>4/18/2023</a:t>
+              <a:t>2/28/2024</a:t>
             </a:fld>
             <a:endParaRPr lang="en-US"/>
           </a:p>
@@ -13799,7 +13799,7 @@
           <a:p>
             <a:fld id="{3C04E684-10F4-4CC3-A0B9-F03AA7BE37CF}" type="datetimeFigureOut">
               <a:rPr lang="en-US" smtClean="0"/>
-              <a:t>4/18/2023</a:t>
+              <a:t>2/28/2024</a:t>
             </a:fld>
             <a:endParaRPr lang="en-US"/>
           </a:p>
@@ -14750,7 +14750,7 @@
           <a:p>
             <a:fld id="{3C04E684-10F4-4CC3-A0B9-F03AA7BE37CF}" type="datetimeFigureOut">
               <a:rPr lang="en-US" smtClean="0"/>
-              <a:t>4/18/2023</a:t>
+              <a:t>2/28/2024</a:t>
             </a:fld>
             <a:endParaRPr lang="en-US"/>
           </a:p>
@@ -17099,7 +17099,7 @@
           <a:p>
             <a:fld id="{3C04E684-10F4-4CC3-A0B9-F03AA7BE37CF}" type="datetimeFigureOut">
               <a:rPr lang="en-US" smtClean="0"/>
-              <a:t>4/18/2023</a:t>
+              <a:t>2/28/2024</a:t>
             </a:fld>
             <a:endParaRPr lang="en-US"/>
           </a:p>
@@ -17212,7 +17212,7 @@
           <a:p>
             <a:fld id="{3C04E684-10F4-4CC3-A0B9-F03AA7BE37CF}" type="datetimeFigureOut">
               <a:rPr lang="en-US" smtClean="0"/>
-              <a:t>4/18/2023</a:t>
+              <a:t>2/28/2024</a:t>
             </a:fld>
             <a:endParaRPr lang="en-US"/>
           </a:p>
@@ -17719,7 +17719,7 @@
           <a:p>
             <a:fld id="{3C04E684-10F4-4CC3-A0B9-F03AA7BE37CF}" type="datetimeFigureOut">
               <a:rPr lang="en-US" smtClean="0"/>
-              <a:t>4/18/2023</a:t>
+              <a:t>2/28/2024</a:t>
             </a:fld>
             <a:endParaRPr lang="en-US"/>
           </a:p>
@@ -19022,7 +19022,7 @@
           <a:p>
             <a:fld id="{3C04E684-10F4-4CC3-A0B9-F03AA7BE37CF}" type="datetimeFigureOut">
               <a:rPr lang="en-US" smtClean="0"/>
-              <a:t>4/18/2023</a:t>
+              <a:t>2/28/2024</a:t>
             </a:fld>
             <a:endParaRPr lang="en-US"/>
           </a:p>
@@ -19269,7 +19269,7 @@
           <a:p>
             <a:fld id="{3C04E684-10F4-4CC3-A0B9-F03AA7BE37CF}" type="datetimeFigureOut">
               <a:rPr lang="en-US" smtClean="0"/>
-              <a:t>4/18/2023</a:t>
+              <a:t>2/28/2024</a:t>
             </a:fld>
             <a:endParaRPr lang="en-US"/>
           </a:p>
@@ -19896,7 +19896,7 @@
           <a:p>
             <a:fld id="{3C04E684-10F4-4CC3-A0B9-F03AA7BE37CF}" type="datetimeFigureOut">
               <a:rPr lang="en-US" smtClean="0"/>
-              <a:t>4/18/2023</a:t>
+              <a:t>2/28/2024</a:t>
             </a:fld>
             <a:endParaRPr lang="en-US"/>
           </a:p>
@@ -20482,6 +20482,13 @@
             <a:schemeClr val="lt1"/>
           </a:fontRef>
         </p:style>
+        <p:txBody>
+          <a:bodyPr/>
+          <a:lstStyle/>
+          <a:p>
+            <a:endParaRPr lang="en-AU"/>
+          </a:p>
+        </p:txBody>
       </p:sp>
       <p:sp>
         <p:nvSpPr>
@@ -20537,6 +20544,13 @@
             <a:schemeClr val="lt1"/>
           </a:fontRef>
         </p:style>
+        <p:txBody>
+          <a:bodyPr/>
+          <a:lstStyle/>
+          <a:p>
+            <a:endParaRPr lang="en-AU"/>
+          </a:p>
+        </p:txBody>
       </p:sp>
       <p:cxnSp>
         <p:nvCxnSpPr>
@@ -20707,6 +20721,13 @@
             <a:schemeClr val="lt1"/>
           </a:fontRef>
         </p:style>
+        <p:txBody>
+          <a:bodyPr/>
+          <a:lstStyle/>
+          <a:p>
+            <a:endParaRPr lang="en-AU"/>
+          </a:p>
+        </p:txBody>
       </p:sp>
       <p:sp>
         <p:nvSpPr>
@@ -20822,7 +20843,7 @@
               <a:buFont typeface="Calibri" panose="020F0502020204030204" pitchFamily="34" charset="0"/>
             </a:pPr>
             <a:r>
-              <a:rPr lang="en-US" sz="1500">
+              <a:rPr lang="en-US" sz="1500" dirty="0">
                 <a:solidFill>
                   <a:srgbClr val="FFFFFF"/>
                 </a:solidFill>
@@ -20844,12 +20865,34 @@
               <a:buFont typeface="Calibri" panose="020F0502020204030204" pitchFamily="34" charset="0"/>
             </a:pPr>
             <a:r>
-              <a:rPr lang="en-US" sz="1500">
+              <a:rPr lang="en-US" sz="1500" dirty="0">
                 <a:solidFill>
                   <a:srgbClr val="FFFFFF"/>
                 </a:solidFill>
               </a:rPr>
-              <a:t>Cloud Solution Architect @ Microsoft</a:t>
+              <a:t>Apps &amp; Innovation Tech Specialist </a:t>
+            </a:r>
+          </a:p>
+          <a:p>
+            <a:pPr>
+              <a:lnSpc>
+                <a:spcPct val="90000"/>
+              </a:lnSpc>
+              <a:spcAft>
+                <a:spcPts val="600"/>
+              </a:spcAft>
+              <a:buClr>
+                <a:schemeClr val="accent1"/>
+              </a:buClr>
+              <a:buFont typeface="Calibri" panose="020F0502020204030204" pitchFamily="34" charset="0"/>
+            </a:pPr>
+            <a:r>
+              <a:rPr lang="en-US" sz="1500" dirty="0">
+                <a:solidFill>
+                  <a:srgbClr val="FFFFFF"/>
+                </a:solidFill>
+              </a:rPr>
+              <a:t>@ Microsoft</a:t>
             </a:r>
           </a:p>
         </p:txBody>
@@ -20937,6 +20980,13 @@
             <a:schemeClr val="lt1"/>
           </a:fontRef>
         </p:style>
+        <p:txBody>
+          <a:bodyPr/>
+          <a:lstStyle/>
+          <a:p>
+            <a:endParaRPr lang="en-AU"/>
+          </a:p>
+        </p:txBody>
       </p:sp>
     </p:spTree>
     <p:extLst>
@@ -22807,6 +22857,13 @@
             <a:schemeClr val="lt1"/>
           </a:fontRef>
         </p:style>
+        <p:txBody>
+          <a:bodyPr/>
+          <a:lstStyle/>
+          <a:p>
+            <a:endParaRPr lang="en-AU"/>
+          </a:p>
+        </p:txBody>
       </p:sp>
       <p:sp>
         <p:nvSpPr>
@@ -22862,6 +22919,13 @@
             <a:schemeClr val="lt1"/>
           </a:fontRef>
         </p:style>
+        <p:txBody>
+          <a:bodyPr/>
+          <a:lstStyle/>
+          <a:p>
+            <a:endParaRPr lang="en-AU"/>
+          </a:p>
+        </p:txBody>
       </p:sp>
       <p:cxnSp>
         <p:nvCxnSpPr>
@@ -22972,6 +23036,13 @@
             <a:schemeClr val="lt1"/>
           </a:fontRef>
         </p:style>
+        <p:txBody>
+          <a:bodyPr/>
+          <a:lstStyle/>
+          <a:p>
+            <a:endParaRPr lang="en-AU"/>
+          </a:p>
+        </p:txBody>
       </p:sp>
       <p:sp>
         <p:nvSpPr>
@@ -23111,6 +23182,13 @@
             <a:schemeClr val="lt1"/>
           </a:fontRef>
         </p:style>
+        <p:txBody>
+          <a:bodyPr/>
+          <a:lstStyle/>
+          <a:p>
+            <a:endParaRPr lang="en-AU"/>
+          </a:p>
+        </p:txBody>
       </p:sp>
     </p:spTree>
     <p:extLst>
@@ -23204,6 +23282,13 @@
             <a:schemeClr val="lt1"/>
           </a:fontRef>
         </p:style>
+        <p:txBody>
+          <a:bodyPr/>
+          <a:lstStyle/>
+          <a:p>
+            <a:endParaRPr lang="en-AU"/>
+          </a:p>
+        </p:txBody>
       </p:sp>
       <p:sp>
         <p:nvSpPr>
@@ -23259,6 +23344,13 @@
             <a:schemeClr val="lt1"/>
           </a:fontRef>
         </p:style>
+        <p:txBody>
+          <a:bodyPr/>
+          <a:lstStyle/>
+          <a:p>
+            <a:endParaRPr lang="en-AU"/>
+          </a:p>
+        </p:txBody>
       </p:sp>
       <p:cxnSp>
         <p:nvCxnSpPr>
@@ -23459,6 +23551,13 @@
             <a:schemeClr val="lt1"/>
           </a:fontRef>
         </p:style>
+        <p:txBody>
+          <a:bodyPr/>
+          <a:lstStyle/>
+          <a:p>
+            <a:endParaRPr lang="en-AU"/>
+          </a:p>
+        </p:txBody>
       </p:sp>
       <p:sp>
         <p:nvSpPr>
@@ -23590,6 +23689,13 @@
             <a:schemeClr val="lt1"/>
           </a:fontRef>
         </p:style>
+        <p:txBody>
+          <a:bodyPr/>
+          <a:lstStyle/>
+          <a:p>
+            <a:endParaRPr lang="en-AU"/>
+          </a:p>
+        </p:txBody>
       </p:sp>
     </p:spTree>
     <p:extLst>
